--- a/Cyber Ravage.pptx
+++ b/Cyber Ravage.pptx
@@ -9,6 +9,11 @@
     <p:sldId id="257" r:id="rId3"/>
     <p:sldId id="258" r:id="rId4"/>
     <p:sldId id="259" r:id="rId5"/>
+    <p:sldId id="260" r:id="rId6"/>
+    <p:sldId id="261" r:id="rId7"/>
+    <p:sldId id="262" r:id="rId8"/>
+    <p:sldId id="263" r:id="rId9"/>
+    <p:sldId id="264" r:id="rId10"/>
   </p:sldIdLst>
   <p:sldSz cx="9144000" cy="6858000" type="screen4x3"/>
   <p:notesSz cx="6858000" cy="9144000"/>
@@ -291,7 +296,8 @@
           <a:p>
             <a:fld id="{E85DCD3D-7E6D-429E-A86F-4A7D6CF52399}" type="datetimeFigureOut">
               <a:rPr lang="ru-RU" smtClean="0"/>
-              <a:t>22.04.2025</a:t>
+              <a:pPr/>
+              <a:t>23.04.2025</a:t>
             </a:fld>
             <a:endParaRPr lang="ru-RU"/>
           </a:p>
@@ -333,6 +339,7 @@
           <a:p>
             <a:fld id="{C9CF4564-21F1-4FD2-85BB-BFA020DEFAB6}" type="slidenum">
               <a:rPr lang="ru-RU" smtClean="0"/>
+              <a:pPr/>
               <a:t>‹#›</a:t>
             </a:fld>
             <a:endParaRPr lang="ru-RU"/>
@@ -456,7 +463,8 @@
           <a:p>
             <a:fld id="{E85DCD3D-7E6D-429E-A86F-4A7D6CF52399}" type="datetimeFigureOut">
               <a:rPr lang="ru-RU" smtClean="0"/>
-              <a:t>22.04.2025</a:t>
+              <a:pPr/>
+              <a:t>23.04.2025</a:t>
             </a:fld>
             <a:endParaRPr lang="ru-RU"/>
           </a:p>
@@ -498,6 +506,7 @@
           <a:p>
             <a:fld id="{C9CF4564-21F1-4FD2-85BB-BFA020DEFAB6}" type="slidenum">
               <a:rPr lang="ru-RU" smtClean="0"/>
+              <a:pPr/>
               <a:t>‹#›</a:t>
             </a:fld>
             <a:endParaRPr lang="ru-RU"/>
@@ -631,7 +640,8 @@
           <a:p>
             <a:fld id="{E85DCD3D-7E6D-429E-A86F-4A7D6CF52399}" type="datetimeFigureOut">
               <a:rPr lang="ru-RU" smtClean="0"/>
-              <a:t>22.04.2025</a:t>
+              <a:pPr/>
+              <a:t>23.04.2025</a:t>
             </a:fld>
             <a:endParaRPr lang="ru-RU"/>
           </a:p>
@@ -673,6 +683,7 @@
           <a:p>
             <a:fld id="{C9CF4564-21F1-4FD2-85BB-BFA020DEFAB6}" type="slidenum">
               <a:rPr lang="ru-RU" smtClean="0"/>
+              <a:pPr/>
               <a:t>‹#›</a:t>
             </a:fld>
             <a:endParaRPr lang="ru-RU"/>
@@ -796,7 +807,8 @@
           <a:p>
             <a:fld id="{E85DCD3D-7E6D-429E-A86F-4A7D6CF52399}" type="datetimeFigureOut">
               <a:rPr lang="ru-RU" smtClean="0"/>
-              <a:t>22.04.2025</a:t>
+              <a:pPr/>
+              <a:t>23.04.2025</a:t>
             </a:fld>
             <a:endParaRPr lang="ru-RU"/>
           </a:p>
@@ -838,6 +850,7 @@
           <a:p>
             <a:fld id="{C9CF4564-21F1-4FD2-85BB-BFA020DEFAB6}" type="slidenum">
               <a:rPr lang="ru-RU" smtClean="0"/>
+              <a:pPr/>
               <a:t>‹#›</a:t>
             </a:fld>
             <a:endParaRPr lang="ru-RU"/>
@@ -1037,7 +1050,8 @@
           <a:p>
             <a:fld id="{E85DCD3D-7E6D-429E-A86F-4A7D6CF52399}" type="datetimeFigureOut">
               <a:rPr lang="ru-RU" smtClean="0"/>
-              <a:t>22.04.2025</a:t>
+              <a:pPr/>
+              <a:t>23.04.2025</a:t>
             </a:fld>
             <a:endParaRPr lang="ru-RU"/>
           </a:p>
@@ -1079,6 +1093,7 @@
           <a:p>
             <a:fld id="{C9CF4564-21F1-4FD2-85BB-BFA020DEFAB6}" type="slidenum">
               <a:rPr lang="ru-RU" smtClean="0"/>
+              <a:pPr/>
               <a:t>‹#›</a:t>
             </a:fld>
             <a:endParaRPr lang="ru-RU"/>
@@ -1320,7 +1335,8 @@
           <a:p>
             <a:fld id="{E85DCD3D-7E6D-429E-A86F-4A7D6CF52399}" type="datetimeFigureOut">
               <a:rPr lang="ru-RU" smtClean="0"/>
-              <a:t>22.04.2025</a:t>
+              <a:pPr/>
+              <a:t>23.04.2025</a:t>
             </a:fld>
             <a:endParaRPr lang="ru-RU"/>
           </a:p>
@@ -1362,6 +1378,7 @@
           <a:p>
             <a:fld id="{C9CF4564-21F1-4FD2-85BB-BFA020DEFAB6}" type="slidenum">
               <a:rPr lang="ru-RU" smtClean="0"/>
+              <a:pPr/>
               <a:t>‹#›</a:t>
             </a:fld>
             <a:endParaRPr lang="ru-RU"/>
@@ -1737,7 +1754,8 @@
           <a:p>
             <a:fld id="{E85DCD3D-7E6D-429E-A86F-4A7D6CF52399}" type="datetimeFigureOut">
               <a:rPr lang="ru-RU" smtClean="0"/>
-              <a:t>22.04.2025</a:t>
+              <a:pPr/>
+              <a:t>23.04.2025</a:t>
             </a:fld>
             <a:endParaRPr lang="ru-RU"/>
           </a:p>
@@ -1779,6 +1797,7 @@
           <a:p>
             <a:fld id="{C9CF4564-21F1-4FD2-85BB-BFA020DEFAB6}" type="slidenum">
               <a:rPr lang="ru-RU" smtClean="0"/>
+              <a:pPr/>
               <a:t>‹#›</a:t>
             </a:fld>
             <a:endParaRPr lang="ru-RU"/>
@@ -1850,7 +1869,8 @@
           <a:p>
             <a:fld id="{E85DCD3D-7E6D-429E-A86F-4A7D6CF52399}" type="datetimeFigureOut">
               <a:rPr lang="ru-RU" smtClean="0"/>
-              <a:t>22.04.2025</a:t>
+              <a:pPr/>
+              <a:t>23.04.2025</a:t>
             </a:fld>
             <a:endParaRPr lang="ru-RU"/>
           </a:p>
@@ -1892,6 +1912,7 @@
           <a:p>
             <a:fld id="{C9CF4564-21F1-4FD2-85BB-BFA020DEFAB6}" type="slidenum">
               <a:rPr lang="ru-RU" smtClean="0"/>
+              <a:pPr/>
               <a:t>‹#›</a:t>
             </a:fld>
             <a:endParaRPr lang="ru-RU"/>
@@ -1940,7 +1961,8 @@
           <a:p>
             <a:fld id="{E85DCD3D-7E6D-429E-A86F-4A7D6CF52399}" type="datetimeFigureOut">
               <a:rPr lang="ru-RU" smtClean="0"/>
-              <a:t>22.04.2025</a:t>
+              <a:pPr/>
+              <a:t>23.04.2025</a:t>
             </a:fld>
             <a:endParaRPr lang="ru-RU"/>
           </a:p>
@@ -1982,6 +2004,7 @@
           <a:p>
             <a:fld id="{C9CF4564-21F1-4FD2-85BB-BFA020DEFAB6}" type="slidenum">
               <a:rPr lang="ru-RU" smtClean="0"/>
+              <a:pPr/>
               <a:t>‹#›</a:t>
             </a:fld>
             <a:endParaRPr lang="ru-RU"/>
@@ -2212,7 +2235,8 @@
           <a:p>
             <a:fld id="{E85DCD3D-7E6D-429E-A86F-4A7D6CF52399}" type="datetimeFigureOut">
               <a:rPr lang="ru-RU" smtClean="0"/>
-              <a:t>22.04.2025</a:t>
+              <a:pPr/>
+              <a:t>23.04.2025</a:t>
             </a:fld>
             <a:endParaRPr lang="ru-RU"/>
           </a:p>
@@ -2254,6 +2278,7 @@
           <a:p>
             <a:fld id="{C9CF4564-21F1-4FD2-85BB-BFA020DEFAB6}" type="slidenum">
               <a:rPr lang="ru-RU" smtClean="0"/>
+              <a:pPr/>
               <a:t>‹#›</a:t>
             </a:fld>
             <a:endParaRPr lang="ru-RU"/>
@@ -2460,7 +2485,8 @@
           <a:p>
             <a:fld id="{E85DCD3D-7E6D-429E-A86F-4A7D6CF52399}" type="datetimeFigureOut">
               <a:rPr lang="ru-RU" smtClean="0"/>
-              <a:t>22.04.2025</a:t>
+              <a:pPr/>
+              <a:t>23.04.2025</a:t>
             </a:fld>
             <a:endParaRPr lang="ru-RU"/>
           </a:p>
@@ -2502,6 +2528,7 @@
           <a:p>
             <a:fld id="{C9CF4564-21F1-4FD2-85BB-BFA020DEFAB6}" type="slidenum">
               <a:rPr lang="ru-RU" smtClean="0"/>
+              <a:pPr/>
               <a:t>‹#›</a:t>
             </a:fld>
             <a:endParaRPr lang="ru-RU"/>
@@ -2668,7 +2695,8 @@
           <a:p>
             <a:fld id="{E85DCD3D-7E6D-429E-A86F-4A7D6CF52399}" type="datetimeFigureOut">
               <a:rPr lang="ru-RU" smtClean="0"/>
-              <a:t>22.04.2025</a:t>
+              <a:pPr/>
+              <a:t>23.04.2025</a:t>
             </a:fld>
             <a:endParaRPr lang="ru-RU"/>
           </a:p>
@@ -2746,6 +2774,7 @@
           <a:p>
             <a:fld id="{C9CF4564-21F1-4FD2-85BB-BFA020DEFAB6}" type="slidenum">
               <a:rPr lang="ru-RU" smtClean="0"/>
+              <a:pPr/>
               <a:t>‹#›</a:t>
             </a:fld>
             <a:endParaRPr lang="ru-RU"/>
@@ -3846,6 +3875,1253 @@
               </a:rPr>
               <a:t>и отладка проекта</a:t>
             </a:r>
+          </a:p>
+        </p:txBody>
+      </p:sp>
+    </p:spTree>
+  </p:cSld>
+  <p:clrMapOvr>
+    <a:masterClrMapping/>
+  </p:clrMapOvr>
+  <p:timing>
+    <p:tnLst>
+      <p:par>
+        <p:cTn id="1" dur="indefinite" restart="never" nodeType="tmRoot"/>
+      </p:par>
+    </p:tnLst>
+  </p:timing>
+</p:sld>
+</file>
+
+<file path=ppt/slides/slide5.xml><?xml version="1.0" encoding="utf-8"?>
+<p:sld xmlns:a="http://schemas.openxmlformats.org/drawingml/2006/main" xmlns:r="http://schemas.openxmlformats.org/officeDocument/2006/relationships" xmlns:p="http://schemas.openxmlformats.org/presentationml/2006/main">
+  <p:cSld>
+    <p:bg>
+      <p:bgPr>
+        <a:blipFill dpi="0" rotWithShape="1">
+          <a:blip r:embed="rId2" cstate="print">
+            <a:lum/>
+          </a:blip>
+          <a:srcRect/>
+          <a:stretch>
+            <a:fillRect t="-38000" b="-38000"/>
+          </a:stretch>
+        </a:blipFill>
+        <a:effectLst/>
+      </p:bgPr>
+    </p:bg>
+    <p:spTree>
+      <p:nvGrpSpPr>
+        <p:cNvPr id="1" name=""/>
+        <p:cNvGrpSpPr/>
+        <p:nvPr/>
+      </p:nvGrpSpPr>
+      <p:grpSpPr>
+        <a:xfrm>
+          <a:off x="0" y="0"/>
+          <a:ext cx="0" cy="0"/>
+          <a:chOff x="0" y="0"/>
+          <a:chExt cx="0" cy="0"/>
+        </a:xfrm>
+      </p:grpSpPr>
+      <p:sp>
+        <p:nvSpPr>
+          <p:cNvPr id="5" name="TextBox 4"/>
+          <p:cNvSpPr txBox="1"/>
+          <p:nvPr/>
+        </p:nvSpPr>
+        <p:spPr>
+          <a:xfrm>
+            <a:off x="1835696" y="3933056"/>
+            <a:ext cx="2771800" cy="1224136"/>
+          </a:xfrm>
+          <a:prstGeom prst="roundRect">
+            <a:avLst/>
+          </a:prstGeom>
+          <a:solidFill>
+            <a:schemeClr val="bg1">
+              <a:alpha val="71000"/>
+            </a:schemeClr>
+          </a:solidFill>
+        </p:spPr>
+        <p:txBody>
+          <a:bodyPr wrap="square" rtlCol="0">
+            <a:spAutoFit/>
+          </a:bodyPr>
+          <a:lstStyle/>
+          <a:p>
+            <a:r>
+              <a:rPr lang="ru-RU" sz="3200" dirty="0" smtClean="0">
+                <a:latin typeface="Times New Roman" pitchFamily="18" charset="0"/>
+                <a:cs typeface="Times New Roman" pitchFamily="18" charset="0"/>
+              </a:rPr>
+              <a:t>Низкий порог вхождения</a:t>
+            </a:r>
+            <a:endParaRPr lang="ru-RU" sz="3200" dirty="0">
+              <a:latin typeface="Times New Roman" pitchFamily="18" charset="0"/>
+              <a:cs typeface="Times New Roman" pitchFamily="18" charset="0"/>
+            </a:endParaRPr>
+          </a:p>
+        </p:txBody>
+      </p:sp>
+      <p:sp>
+        <p:nvSpPr>
+          <p:cNvPr id="6" name="TextBox 5"/>
+          <p:cNvSpPr txBox="1"/>
+          <p:nvPr/>
+        </p:nvSpPr>
+        <p:spPr>
+          <a:xfrm>
+            <a:off x="2339752" y="476672"/>
+            <a:ext cx="4403980" cy="1021556"/>
+          </a:xfrm>
+          <a:prstGeom prst="roundRect">
+            <a:avLst/>
+          </a:prstGeom>
+          <a:solidFill>
+            <a:schemeClr val="bg1">
+              <a:alpha val="76000"/>
+            </a:schemeClr>
+          </a:solidFill>
+        </p:spPr>
+        <p:txBody>
+          <a:bodyPr wrap="none" rtlCol="0">
+            <a:spAutoFit/>
+          </a:bodyPr>
+          <a:lstStyle/>
+          <a:p>
+            <a:r>
+              <a:rPr lang="en-US" sz="5400" dirty="0" smtClean="0">
+                <a:latin typeface="Times New Roman" pitchFamily="18" charset="0"/>
+                <a:cs typeface="Times New Roman" pitchFamily="18" charset="0"/>
+              </a:rPr>
+              <a:t>Cyber Ravage</a:t>
+            </a:r>
+            <a:r>
+              <a:rPr lang="ru-RU" sz="5400" dirty="0" smtClean="0">
+                <a:latin typeface="Times New Roman" pitchFamily="18" charset="0"/>
+                <a:cs typeface="Times New Roman" pitchFamily="18" charset="0"/>
+              </a:rPr>
+              <a:t>:</a:t>
+            </a:r>
+            <a:endParaRPr lang="ru-RU" sz="5400" dirty="0">
+              <a:latin typeface="Times New Roman" pitchFamily="18" charset="0"/>
+              <a:cs typeface="Times New Roman" pitchFamily="18" charset="0"/>
+            </a:endParaRPr>
+          </a:p>
+        </p:txBody>
+      </p:sp>
+      <p:sp>
+        <p:nvSpPr>
+          <p:cNvPr id="7" name="TextBox 6"/>
+          <p:cNvSpPr txBox="1"/>
+          <p:nvPr/>
+        </p:nvSpPr>
+        <p:spPr>
+          <a:xfrm>
+            <a:off x="6300192" y="1844824"/>
+            <a:ext cx="2725037" cy="1224136"/>
+          </a:xfrm>
+          <a:prstGeom prst="roundRect">
+            <a:avLst/>
+          </a:prstGeom>
+          <a:solidFill>
+            <a:schemeClr val="bg1">
+              <a:alpha val="64000"/>
+            </a:schemeClr>
+          </a:solidFill>
+        </p:spPr>
+        <p:txBody>
+          <a:bodyPr wrap="square" rtlCol="0">
+            <a:spAutoFit/>
+          </a:bodyPr>
+          <a:lstStyle/>
+          <a:p>
+            <a:r>
+              <a:rPr lang="ru-RU" sz="3200" dirty="0" smtClean="0">
+                <a:latin typeface="Times New Roman" pitchFamily="18" charset="0"/>
+                <a:cs typeface="Times New Roman" pitchFamily="18" charset="0"/>
+              </a:rPr>
+              <a:t>Примитивное управление</a:t>
+            </a:r>
+            <a:endParaRPr lang="ru-RU" sz="3200" dirty="0">
+              <a:latin typeface="Times New Roman" pitchFamily="18" charset="0"/>
+              <a:cs typeface="Times New Roman" pitchFamily="18" charset="0"/>
+            </a:endParaRPr>
+          </a:p>
+        </p:txBody>
+      </p:sp>
+      <p:sp>
+        <p:nvSpPr>
+          <p:cNvPr id="8" name="TextBox 7"/>
+          <p:cNvSpPr txBox="1"/>
+          <p:nvPr/>
+        </p:nvSpPr>
+        <p:spPr>
+          <a:xfrm>
+            <a:off x="6588224" y="5445224"/>
+            <a:ext cx="2376264" cy="1224136"/>
+          </a:xfrm>
+          <a:prstGeom prst="roundRect">
+            <a:avLst/>
+          </a:prstGeom>
+          <a:solidFill>
+            <a:schemeClr val="bg1">
+              <a:alpha val="82000"/>
+            </a:schemeClr>
+          </a:solidFill>
+        </p:spPr>
+        <p:txBody>
+          <a:bodyPr wrap="square" rtlCol="0">
+            <a:spAutoFit/>
+          </a:bodyPr>
+          <a:lstStyle/>
+          <a:p>
+            <a:r>
+              <a:rPr lang="ru-RU" sz="3200" dirty="0" smtClean="0">
+                <a:latin typeface="Times New Roman" pitchFamily="18" charset="0"/>
+                <a:cs typeface="Times New Roman" pitchFamily="18" charset="0"/>
+              </a:rPr>
+              <a:t>Быстро и динамично</a:t>
+            </a:r>
+            <a:endParaRPr lang="ru-RU" sz="3200" dirty="0">
+              <a:latin typeface="Times New Roman" pitchFamily="18" charset="0"/>
+              <a:cs typeface="Times New Roman" pitchFamily="18" charset="0"/>
+            </a:endParaRPr>
+          </a:p>
+        </p:txBody>
+      </p:sp>
+      <p:pic>
+        <p:nvPicPr>
+          <p:cNvPr id="1026" name="Picture 2" descr="C:\Users\TEMP.LAPTOP-S6CGT9HB\Downloads\divider_geometry_statonary_math_school_icon_255794.png"/>
+          <p:cNvPicPr>
+            <a:picLocks noChangeAspect="1" noChangeArrowheads="1"/>
+          </p:cNvPicPr>
+          <p:nvPr/>
+        </p:nvPicPr>
+        <p:blipFill>
+          <a:blip r:embed="rId3" cstate="print"/>
+          <a:srcRect/>
+          <a:stretch>
+            <a:fillRect/>
+          </a:stretch>
+        </p:blipFill>
+        <p:spPr bwMode="auto">
+          <a:xfrm>
+            <a:off x="611560" y="3933056"/>
+            <a:ext cx="1219200" cy="1219200"/>
+          </a:xfrm>
+          <a:prstGeom prst="roundRect">
+            <a:avLst/>
+          </a:prstGeom>
+          <a:solidFill>
+            <a:schemeClr val="bg1">
+              <a:alpha val="76000"/>
+            </a:schemeClr>
+          </a:solidFill>
+        </p:spPr>
+      </p:pic>
+      <p:pic>
+        <p:nvPicPr>
+          <p:cNvPr id="1027" name="Picture 3" descr="C:\Users\TEMP.LAPTOP-S6CGT9HB\Downloads\976605-appliances-console-controller-dualshock-gamepad-games-videogame_106553.png"/>
+          <p:cNvPicPr>
+            <a:picLocks noChangeAspect="1" noChangeArrowheads="1"/>
+          </p:cNvPicPr>
+          <p:nvPr/>
+        </p:nvPicPr>
+        <p:blipFill>
+          <a:blip r:embed="rId4" cstate="print"/>
+          <a:srcRect/>
+          <a:stretch>
+            <a:fillRect/>
+          </a:stretch>
+        </p:blipFill>
+        <p:spPr bwMode="auto">
+          <a:xfrm>
+            <a:off x="5076056" y="1844824"/>
+            <a:ext cx="1219200" cy="1219200"/>
+          </a:xfrm>
+          <a:prstGeom prst="roundRect">
+            <a:avLst/>
+          </a:prstGeom>
+          <a:solidFill>
+            <a:schemeClr val="bg1">
+              <a:alpha val="76000"/>
+            </a:schemeClr>
+          </a:solidFill>
+        </p:spPr>
+      </p:pic>
+      <p:pic>
+        <p:nvPicPr>
+          <p:cNvPr id="1028" name="Picture 4" descr="C:\Users\TEMP.LAPTOP-S6CGT9HB\Downloads\speed_fast_arrows_icon_148993.png"/>
+          <p:cNvPicPr>
+            <a:picLocks noChangeAspect="1" noChangeArrowheads="1"/>
+          </p:cNvPicPr>
+          <p:nvPr/>
+        </p:nvPicPr>
+        <p:blipFill>
+          <a:blip r:embed="rId5" cstate="print"/>
+          <a:srcRect/>
+          <a:stretch>
+            <a:fillRect/>
+          </a:stretch>
+        </p:blipFill>
+        <p:spPr bwMode="auto">
+          <a:xfrm>
+            <a:off x="5364088" y="5445224"/>
+            <a:ext cx="1219200" cy="1219200"/>
+          </a:xfrm>
+          <a:prstGeom prst="roundRect">
+            <a:avLst/>
+          </a:prstGeom>
+          <a:solidFill>
+            <a:schemeClr val="bg1">
+              <a:alpha val="75000"/>
+            </a:schemeClr>
+          </a:solidFill>
+          <a:ln>
+            <a:noFill/>
+          </a:ln>
+        </p:spPr>
+      </p:pic>
+    </p:spTree>
+  </p:cSld>
+  <p:clrMapOvr>
+    <a:masterClrMapping/>
+  </p:clrMapOvr>
+  <p:timing>
+    <p:tnLst>
+      <p:par>
+        <p:cTn id="1" dur="indefinite" restart="never" nodeType="tmRoot"/>
+      </p:par>
+    </p:tnLst>
+  </p:timing>
+</p:sld>
+</file>
+
+<file path=ppt/slides/slide6.xml><?xml version="1.0" encoding="utf-8"?>
+<p:sld xmlns:a="http://schemas.openxmlformats.org/drawingml/2006/main" xmlns:r="http://schemas.openxmlformats.org/officeDocument/2006/relationships" xmlns:p="http://schemas.openxmlformats.org/presentationml/2006/main">
+  <p:cSld>
+    <p:bg>
+      <p:bgPr>
+        <a:blipFill dpi="0" rotWithShape="1">
+          <a:blip r:embed="rId2" cstate="print">
+            <a:lum/>
+          </a:blip>
+          <a:srcRect/>
+          <a:stretch>
+            <a:fillRect l="-13000" r="-13000"/>
+          </a:stretch>
+        </a:blipFill>
+        <a:effectLst/>
+      </p:bgPr>
+    </p:bg>
+    <p:spTree>
+      <p:nvGrpSpPr>
+        <p:cNvPr id="1" name=""/>
+        <p:cNvGrpSpPr/>
+        <p:nvPr/>
+      </p:nvGrpSpPr>
+      <p:grpSpPr>
+        <a:xfrm>
+          <a:off x="0" y="0"/>
+          <a:ext cx="0" cy="0"/>
+          <a:chOff x="0" y="0"/>
+          <a:chExt cx="0" cy="0"/>
+        </a:xfrm>
+      </p:grpSpPr>
+      <p:sp>
+        <p:nvSpPr>
+          <p:cNvPr id="2" name="Заголовок 1"/>
+          <p:cNvSpPr>
+            <a:spLocks noGrp="1"/>
+          </p:cNvSpPr>
+          <p:nvPr>
+            <p:ph type="title"/>
+          </p:nvPr>
+        </p:nvSpPr>
+        <p:spPr>
+          <a:xfrm>
+            <a:off x="1835696" y="260648"/>
+            <a:ext cx="5554960" cy="1143000"/>
+          </a:xfrm>
+          <a:prstGeom prst="roundRect">
+            <a:avLst/>
+          </a:prstGeom>
+          <a:solidFill>
+            <a:schemeClr val="bg1">
+              <a:alpha val="67000"/>
+            </a:schemeClr>
+          </a:solidFill>
+        </p:spPr>
+        <p:txBody>
+          <a:bodyPr>
+            <a:normAutofit fontScale="90000"/>
+          </a:bodyPr>
+          <a:lstStyle/>
+          <a:p>
+            <a:r>
+              <a:rPr lang="ru-RU" dirty="0" smtClean="0">
+                <a:latin typeface="Times New Roman" pitchFamily="18" charset="0"/>
+                <a:cs typeface="Times New Roman" pitchFamily="18" charset="0"/>
+              </a:rPr>
+              <a:t>Внутриигровой процесс </a:t>
+            </a:r>
+            <a:endParaRPr lang="ru-RU" dirty="0">
+              <a:latin typeface="Times New Roman" pitchFamily="18" charset="0"/>
+              <a:cs typeface="Times New Roman" pitchFamily="18" charset="0"/>
+            </a:endParaRPr>
+          </a:p>
+        </p:txBody>
+      </p:sp>
+      <p:sp>
+        <p:nvSpPr>
+          <p:cNvPr id="4" name="TextBox 3"/>
+          <p:cNvSpPr txBox="1"/>
+          <p:nvPr/>
+        </p:nvSpPr>
+        <p:spPr>
+          <a:xfrm>
+            <a:off x="2051720" y="2708920"/>
+            <a:ext cx="2303233" cy="783193"/>
+          </a:xfrm>
+          <a:prstGeom prst="roundRect">
+            <a:avLst/>
+          </a:prstGeom>
+          <a:solidFill>
+            <a:schemeClr val="bg1">
+              <a:alpha val="55000"/>
+            </a:schemeClr>
+          </a:solidFill>
+        </p:spPr>
+        <p:txBody>
+          <a:bodyPr wrap="square" rtlCol="0">
+            <a:spAutoFit/>
+          </a:bodyPr>
+          <a:lstStyle/>
+          <a:p>
+            <a:r>
+              <a:rPr lang="en-US" sz="4000" dirty="0" smtClean="0"/>
+              <a:t>Rouglike</a:t>
+            </a:r>
+            <a:endParaRPr lang="ru-RU" sz="4000" dirty="0"/>
+          </a:p>
+        </p:txBody>
+      </p:sp>
+      <p:pic>
+        <p:nvPicPr>
+          <p:cNvPr id="2050" name="Picture 2" descr="C:\Users\TEMP.LAPTOP-S6CGT9HB\Downloads\dungeon_icon_199271.png"/>
+          <p:cNvPicPr>
+            <a:picLocks noChangeAspect="1" noChangeArrowheads="1"/>
+          </p:cNvPicPr>
+          <p:nvPr/>
+        </p:nvPicPr>
+        <p:blipFill>
+          <a:blip r:embed="rId3" cstate="print"/>
+          <a:srcRect/>
+          <a:stretch>
+            <a:fillRect/>
+          </a:stretch>
+        </p:blipFill>
+        <p:spPr bwMode="auto">
+          <a:xfrm>
+            <a:off x="1259632" y="2708920"/>
+            <a:ext cx="792088" cy="792088"/>
+          </a:xfrm>
+          <a:prstGeom prst="roundRect">
+            <a:avLst/>
+          </a:prstGeom>
+          <a:solidFill>
+            <a:schemeClr val="bg1">
+              <a:alpha val="52000"/>
+            </a:schemeClr>
+          </a:solidFill>
+        </p:spPr>
+      </p:pic>
+      <p:pic>
+        <p:nvPicPr>
+          <p:cNvPr id="2051" name="Picture 3" descr="C:\Users\TEMP.LAPTOP-S6CGT9HB\Downloads\game_sword_weapon_attack_war_icon_133752.png"/>
+          <p:cNvPicPr>
+            <a:picLocks noChangeAspect="1" noChangeArrowheads="1"/>
+          </p:cNvPicPr>
+          <p:nvPr/>
+        </p:nvPicPr>
+        <p:blipFill>
+          <a:blip r:embed="rId4" cstate="print"/>
+          <a:srcRect/>
+          <a:stretch>
+            <a:fillRect/>
+          </a:stretch>
+        </p:blipFill>
+        <p:spPr bwMode="auto">
+          <a:xfrm>
+            <a:off x="4283968" y="4581128"/>
+            <a:ext cx="792088" cy="792088"/>
+          </a:xfrm>
+          <a:prstGeom prst="roundRect">
+            <a:avLst/>
+          </a:prstGeom>
+          <a:solidFill>
+            <a:schemeClr val="bg1">
+              <a:alpha val="42000"/>
+            </a:schemeClr>
+          </a:solidFill>
+        </p:spPr>
+      </p:pic>
+      <p:sp>
+        <p:nvSpPr>
+          <p:cNvPr id="7" name="TextBox 6"/>
+          <p:cNvSpPr txBox="1"/>
+          <p:nvPr/>
+        </p:nvSpPr>
+        <p:spPr>
+          <a:xfrm>
+            <a:off x="5076056" y="4581128"/>
+            <a:ext cx="2592288" cy="783193"/>
+          </a:xfrm>
+          <a:prstGeom prst="roundRect">
+            <a:avLst/>
+          </a:prstGeom>
+          <a:solidFill>
+            <a:schemeClr val="bg1">
+              <a:alpha val="50000"/>
+            </a:schemeClr>
+          </a:solidFill>
+        </p:spPr>
+        <p:txBody>
+          <a:bodyPr wrap="square" rtlCol="0">
+            <a:spAutoFit/>
+          </a:bodyPr>
+          <a:lstStyle/>
+          <a:p>
+            <a:r>
+              <a:rPr lang="ru-RU" sz="4000" dirty="0" smtClean="0">
+                <a:latin typeface="Times New Roman" pitchFamily="18" charset="0"/>
+                <a:cs typeface="Times New Roman" pitchFamily="18" charset="0"/>
+              </a:rPr>
+              <a:t>Бей и беги</a:t>
+            </a:r>
+            <a:endParaRPr lang="ru-RU" sz="4000" dirty="0">
+              <a:latin typeface="Times New Roman" pitchFamily="18" charset="0"/>
+              <a:cs typeface="Times New Roman" pitchFamily="18" charset="0"/>
+            </a:endParaRPr>
+          </a:p>
+        </p:txBody>
+      </p:sp>
+    </p:spTree>
+  </p:cSld>
+  <p:clrMapOvr>
+    <a:masterClrMapping/>
+  </p:clrMapOvr>
+  <p:timing>
+    <p:tnLst>
+      <p:par>
+        <p:cTn id="1" dur="indefinite" restart="never" nodeType="tmRoot"/>
+      </p:par>
+    </p:tnLst>
+  </p:timing>
+</p:sld>
+</file>
+
+<file path=ppt/slides/slide7.xml><?xml version="1.0" encoding="utf-8"?>
+<p:sld xmlns:a="http://schemas.openxmlformats.org/drawingml/2006/main" xmlns:r="http://schemas.openxmlformats.org/officeDocument/2006/relationships" xmlns:p="http://schemas.openxmlformats.org/presentationml/2006/main">
+  <p:cSld>
+    <p:bg>
+      <p:bgPr>
+        <a:blipFill dpi="0" rotWithShape="1">
+          <a:blip r:embed="rId2" cstate="print">
+            <a:lum/>
+          </a:blip>
+          <a:srcRect/>
+          <a:stretch>
+            <a:fillRect/>
+          </a:stretch>
+        </a:blipFill>
+        <a:effectLst/>
+      </p:bgPr>
+    </p:bg>
+    <p:spTree>
+      <p:nvGrpSpPr>
+        <p:cNvPr id="1" name=""/>
+        <p:cNvGrpSpPr/>
+        <p:nvPr/>
+      </p:nvGrpSpPr>
+      <p:grpSpPr>
+        <a:xfrm>
+          <a:off x="0" y="0"/>
+          <a:ext cx="0" cy="0"/>
+          <a:chOff x="0" y="0"/>
+          <a:chExt cx="0" cy="0"/>
+        </a:xfrm>
+      </p:grpSpPr>
+      <p:sp>
+        <p:nvSpPr>
+          <p:cNvPr id="2" name="Заголовок 1"/>
+          <p:cNvSpPr>
+            <a:spLocks noGrp="1"/>
+          </p:cNvSpPr>
+          <p:nvPr>
+            <p:ph type="title"/>
+          </p:nvPr>
+        </p:nvSpPr>
+        <p:spPr>
+          <a:xfrm>
+            <a:off x="2267744" y="476672"/>
+            <a:ext cx="4474840" cy="940966"/>
+          </a:xfrm>
+          <a:prstGeom prst="roundRect">
+            <a:avLst/>
+          </a:prstGeom>
+          <a:solidFill>
+            <a:schemeClr val="bg1">
+              <a:alpha val="54000"/>
+            </a:schemeClr>
+          </a:solidFill>
+        </p:spPr>
+        <p:txBody>
+          <a:bodyPr/>
+          <a:lstStyle/>
+          <a:p>
+            <a:r>
+              <a:rPr lang="ru-RU" dirty="0" smtClean="0">
+                <a:latin typeface="Times New Roman" pitchFamily="18" charset="0"/>
+                <a:cs typeface="Times New Roman" pitchFamily="18" charset="0"/>
+              </a:rPr>
+              <a:t>Меню</a:t>
+            </a:r>
+            <a:endParaRPr lang="ru-RU" dirty="0">
+              <a:latin typeface="Times New Roman" pitchFamily="18" charset="0"/>
+              <a:cs typeface="Times New Roman" pitchFamily="18" charset="0"/>
+            </a:endParaRPr>
+          </a:p>
+        </p:txBody>
+      </p:sp>
+      <p:sp>
+        <p:nvSpPr>
+          <p:cNvPr id="4" name="TextBox 3"/>
+          <p:cNvSpPr txBox="1"/>
+          <p:nvPr/>
+        </p:nvSpPr>
+        <p:spPr>
+          <a:xfrm>
+            <a:off x="2843808" y="3140968"/>
+            <a:ext cx="3152969" cy="2281476"/>
+          </a:xfrm>
+          <a:prstGeom prst="roundRect">
+            <a:avLst/>
+          </a:prstGeom>
+          <a:solidFill>
+            <a:schemeClr val="bg1">
+              <a:alpha val="55000"/>
+            </a:schemeClr>
+          </a:solidFill>
+        </p:spPr>
+        <p:txBody>
+          <a:bodyPr wrap="none" rtlCol="0">
+            <a:spAutoFit/>
+          </a:bodyPr>
+          <a:lstStyle/>
+          <a:p>
+            <a:pPr>
+              <a:buFont typeface="Arial" pitchFamily="34" charset="0"/>
+              <a:buChar char="•"/>
+            </a:pPr>
+            <a:r>
+              <a:rPr lang="ru-RU" sz="3200" dirty="0" smtClean="0">
+                <a:latin typeface="Times New Roman" pitchFamily="18" charset="0"/>
+                <a:cs typeface="Times New Roman" pitchFamily="18" charset="0"/>
+              </a:rPr>
+              <a:t>Начать заново</a:t>
+            </a:r>
+          </a:p>
+          <a:p>
+            <a:pPr>
+              <a:buFont typeface="Arial" pitchFamily="34" charset="0"/>
+              <a:buChar char="•"/>
+            </a:pPr>
+            <a:r>
+              <a:rPr lang="ru-RU" sz="3200" dirty="0" smtClean="0">
+                <a:latin typeface="Times New Roman" pitchFamily="18" charset="0"/>
+                <a:cs typeface="Times New Roman" pitchFamily="18" charset="0"/>
+              </a:rPr>
+              <a:t>Продолжить</a:t>
+            </a:r>
+          </a:p>
+          <a:p>
+            <a:pPr>
+              <a:buFont typeface="Arial" pitchFamily="34" charset="0"/>
+              <a:buChar char="•"/>
+            </a:pPr>
+            <a:r>
+              <a:rPr lang="ru-RU" sz="3200" dirty="0" smtClean="0">
+                <a:latin typeface="Times New Roman" pitchFamily="18" charset="0"/>
+                <a:cs typeface="Times New Roman" pitchFamily="18" charset="0"/>
+              </a:rPr>
+              <a:t>Управление</a:t>
+            </a:r>
+          </a:p>
+          <a:p>
+            <a:pPr>
+              <a:buFont typeface="Arial" pitchFamily="34" charset="0"/>
+              <a:buChar char="•"/>
+            </a:pPr>
+            <a:r>
+              <a:rPr lang="ru-RU" sz="3200" dirty="0" smtClean="0">
+                <a:latin typeface="Times New Roman" pitchFamily="18" charset="0"/>
+                <a:cs typeface="Times New Roman" pitchFamily="18" charset="0"/>
+              </a:rPr>
+              <a:t>Выйти из игры</a:t>
+            </a:r>
+            <a:endParaRPr lang="ru-RU" sz="3200" dirty="0">
+              <a:latin typeface="Times New Roman" pitchFamily="18" charset="0"/>
+              <a:cs typeface="Times New Roman" pitchFamily="18" charset="0"/>
+            </a:endParaRPr>
+          </a:p>
+        </p:txBody>
+      </p:sp>
+    </p:spTree>
+  </p:cSld>
+  <p:clrMapOvr>
+    <a:masterClrMapping/>
+  </p:clrMapOvr>
+  <p:timing>
+    <p:tnLst>
+      <p:par>
+        <p:cTn id="1" dur="indefinite" restart="never" nodeType="tmRoot"/>
+      </p:par>
+    </p:tnLst>
+  </p:timing>
+</p:sld>
+</file>
+
+<file path=ppt/slides/slide8.xml><?xml version="1.0" encoding="utf-8"?>
+<p:sld xmlns:a="http://schemas.openxmlformats.org/drawingml/2006/main" xmlns:r="http://schemas.openxmlformats.org/officeDocument/2006/relationships" xmlns:p="http://schemas.openxmlformats.org/presentationml/2006/main">
+  <p:cSld>
+    <p:bg>
+      <p:bgPr>
+        <a:blipFill dpi="0" rotWithShape="1">
+          <a:blip r:embed="rId2" cstate="print">
+            <a:lum/>
+          </a:blip>
+          <a:srcRect/>
+          <a:stretch>
+            <a:fillRect/>
+          </a:stretch>
+        </a:blipFill>
+        <a:effectLst/>
+      </p:bgPr>
+    </p:bg>
+    <p:spTree>
+      <p:nvGrpSpPr>
+        <p:cNvPr id="1" name=""/>
+        <p:cNvGrpSpPr/>
+        <p:nvPr/>
+      </p:nvGrpSpPr>
+      <p:grpSpPr>
+        <a:xfrm>
+          <a:off x="0" y="0"/>
+          <a:ext cx="0" cy="0"/>
+          <a:chOff x="0" y="0"/>
+          <a:chExt cx="0" cy="0"/>
+        </a:xfrm>
+      </p:grpSpPr>
+      <p:sp>
+        <p:nvSpPr>
+          <p:cNvPr id="2" name="Заголовок 1"/>
+          <p:cNvSpPr>
+            <a:spLocks noGrp="1"/>
+          </p:cNvSpPr>
+          <p:nvPr>
+            <p:ph type="title"/>
+          </p:nvPr>
+        </p:nvSpPr>
+        <p:spPr>
+          <a:xfrm>
+            <a:off x="2339752" y="332656"/>
+            <a:ext cx="4546848" cy="1084982"/>
+          </a:xfrm>
+          <a:prstGeom prst="roundRect">
+            <a:avLst/>
+          </a:prstGeom>
+          <a:solidFill>
+            <a:schemeClr val="bg1">
+              <a:alpha val="55000"/>
+            </a:schemeClr>
+          </a:solidFill>
+        </p:spPr>
+        <p:txBody>
+          <a:bodyPr/>
+          <a:lstStyle/>
+          <a:p>
+            <a:r>
+              <a:rPr lang="ru-RU" dirty="0" smtClean="0">
+                <a:latin typeface="Times New Roman" pitchFamily="18" charset="0"/>
+                <a:cs typeface="Times New Roman" pitchFamily="18" charset="0"/>
+              </a:rPr>
+              <a:t>Движение</a:t>
+            </a:r>
+            <a:endParaRPr lang="ru-RU" dirty="0">
+              <a:latin typeface="Times New Roman" pitchFamily="18" charset="0"/>
+              <a:cs typeface="Times New Roman" pitchFamily="18" charset="0"/>
+            </a:endParaRPr>
+          </a:p>
+        </p:txBody>
+      </p:sp>
+      <p:pic>
+        <p:nvPicPr>
+          <p:cNvPr id="3075" name="Picture 3" descr="C:\Users\1\Desktop\игры\Cyber_ravage\code\test\images\char\left2.png"/>
+          <p:cNvPicPr>
+            <a:picLocks noChangeAspect="1" noChangeArrowheads="1"/>
+          </p:cNvPicPr>
+          <p:nvPr/>
+        </p:nvPicPr>
+        <p:blipFill>
+          <a:blip r:embed="rId3" cstate="print"/>
+          <a:srcRect/>
+          <a:stretch>
+            <a:fillRect/>
+          </a:stretch>
+        </p:blipFill>
+        <p:spPr bwMode="auto">
+          <a:xfrm>
+            <a:off x="539552" y="2564904"/>
+            <a:ext cx="1800200" cy="2239273"/>
+          </a:xfrm>
+          <a:prstGeom prst="rect">
+            <a:avLst/>
+          </a:prstGeom>
+          <a:solidFill>
+            <a:schemeClr val="bg1">
+              <a:alpha val="22000"/>
+            </a:schemeClr>
+          </a:solidFill>
+          <a:ln w="22225">
+            <a:solidFill>
+              <a:schemeClr val="accent5">
+                <a:lumMod val="75000"/>
+              </a:schemeClr>
+            </a:solidFill>
+          </a:ln>
+        </p:spPr>
+      </p:pic>
+      <p:pic>
+        <p:nvPicPr>
+          <p:cNvPr id="3076" name="Picture 4" descr="C:\Users\1\Desktop\игры\Cyber_ravage\code\test\images\char\right2.png"/>
+          <p:cNvPicPr>
+            <a:picLocks noChangeAspect="1" noChangeArrowheads="1"/>
+          </p:cNvPicPr>
+          <p:nvPr/>
+        </p:nvPicPr>
+        <p:blipFill>
+          <a:blip r:embed="rId4" cstate="print"/>
+          <a:srcRect/>
+          <a:stretch>
+            <a:fillRect/>
+          </a:stretch>
+        </p:blipFill>
+        <p:spPr bwMode="auto">
+          <a:xfrm>
+            <a:off x="6804248" y="2492896"/>
+            <a:ext cx="1800200" cy="2239273"/>
+          </a:xfrm>
+          <a:prstGeom prst="rect">
+            <a:avLst/>
+          </a:prstGeom>
+          <a:solidFill>
+            <a:schemeClr val="bg1">
+              <a:alpha val="22000"/>
+            </a:schemeClr>
+          </a:solidFill>
+          <a:ln w="22225">
+            <a:solidFill>
+              <a:schemeClr val="accent5">
+                <a:lumMod val="75000"/>
+              </a:schemeClr>
+            </a:solidFill>
+          </a:ln>
+        </p:spPr>
+      </p:pic>
+      <p:pic>
+        <p:nvPicPr>
+          <p:cNvPr id="3077" name="Picture 5" descr="C:\Users\1\Desktop\игры\Cyber_ravage\code\test\images\char\right1.png"/>
+          <p:cNvPicPr>
+            <a:picLocks noChangeAspect="1" noChangeArrowheads="1"/>
+          </p:cNvPicPr>
+          <p:nvPr/>
+        </p:nvPicPr>
+        <p:blipFill>
+          <a:blip r:embed="rId5" cstate="print"/>
+          <a:srcRect/>
+          <a:stretch>
+            <a:fillRect/>
+          </a:stretch>
+        </p:blipFill>
+        <p:spPr bwMode="auto">
+          <a:xfrm>
+            <a:off x="3923928" y="4005064"/>
+            <a:ext cx="1440160" cy="2194530"/>
+          </a:xfrm>
+          <a:prstGeom prst="rect">
+            <a:avLst/>
+          </a:prstGeom>
+          <a:solidFill>
+            <a:schemeClr val="bg1">
+              <a:alpha val="22000"/>
+            </a:schemeClr>
+          </a:solidFill>
+          <a:ln w="22225">
+            <a:solidFill>
+              <a:schemeClr val="accent5">
+                <a:lumMod val="75000"/>
+              </a:schemeClr>
+            </a:solidFill>
+          </a:ln>
+        </p:spPr>
+      </p:pic>
+      <p:sp>
+        <p:nvSpPr>
+          <p:cNvPr id="8" name="TextBox 7"/>
+          <p:cNvSpPr txBox="1"/>
+          <p:nvPr/>
+        </p:nvSpPr>
+        <p:spPr>
+          <a:xfrm>
+            <a:off x="899592" y="1844824"/>
+            <a:ext cx="977640" cy="461665"/>
+          </a:xfrm>
+          <a:prstGeom prst="rect">
+            <a:avLst/>
+          </a:prstGeom>
+          <a:solidFill>
+            <a:schemeClr val="bg1">
+              <a:alpha val="55000"/>
+            </a:schemeClr>
+          </a:solidFill>
+        </p:spPr>
+        <p:txBody>
+          <a:bodyPr wrap="none" rtlCol="0">
+            <a:spAutoFit/>
+          </a:bodyPr>
+          <a:lstStyle/>
+          <a:p>
+            <a:r>
+              <a:rPr lang="ru-RU" sz="2400" dirty="0" smtClean="0">
+                <a:latin typeface="Times New Roman" pitchFamily="18" charset="0"/>
+                <a:cs typeface="Times New Roman" pitchFamily="18" charset="0"/>
+              </a:rPr>
+              <a:t>Влево</a:t>
+            </a:r>
+            <a:endParaRPr lang="ru-RU" sz="2400" dirty="0">
+              <a:latin typeface="Times New Roman" pitchFamily="18" charset="0"/>
+              <a:cs typeface="Times New Roman" pitchFamily="18" charset="0"/>
+            </a:endParaRPr>
+          </a:p>
+        </p:txBody>
+      </p:sp>
+      <p:sp>
+        <p:nvSpPr>
+          <p:cNvPr id="9" name="TextBox 8"/>
+          <p:cNvSpPr txBox="1"/>
+          <p:nvPr/>
+        </p:nvSpPr>
+        <p:spPr>
+          <a:xfrm>
+            <a:off x="7236296" y="1772816"/>
+            <a:ext cx="1142749" cy="461665"/>
+          </a:xfrm>
+          <a:prstGeom prst="rect">
+            <a:avLst/>
+          </a:prstGeom>
+          <a:solidFill>
+            <a:schemeClr val="bg1">
+              <a:alpha val="55000"/>
+            </a:schemeClr>
+          </a:solidFill>
+        </p:spPr>
+        <p:txBody>
+          <a:bodyPr wrap="none" rtlCol="0">
+            <a:spAutoFit/>
+          </a:bodyPr>
+          <a:lstStyle/>
+          <a:p>
+            <a:r>
+              <a:rPr lang="ru-RU" sz="2400" dirty="0" smtClean="0">
+                <a:latin typeface="Times New Roman" pitchFamily="18" charset="0"/>
+                <a:cs typeface="Times New Roman" pitchFamily="18" charset="0"/>
+              </a:rPr>
+              <a:t>Вправо</a:t>
+            </a:r>
+            <a:endParaRPr lang="ru-RU" sz="2400" dirty="0">
+              <a:latin typeface="Times New Roman" pitchFamily="18" charset="0"/>
+              <a:cs typeface="Times New Roman" pitchFamily="18" charset="0"/>
+            </a:endParaRPr>
+          </a:p>
+        </p:txBody>
+      </p:sp>
+      <p:sp>
+        <p:nvSpPr>
+          <p:cNvPr id="10" name="TextBox 9"/>
+          <p:cNvSpPr txBox="1"/>
+          <p:nvPr/>
+        </p:nvSpPr>
+        <p:spPr>
+          <a:xfrm>
+            <a:off x="4283968" y="3284984"/>
+            <a:ext cx="801823" cy="461665"/>
+          </a:xfrm>
+          <a:prstGeom prst="rect">
+            <a:avLst/>
+          </a:prstGeom>
+          <a:solidFill>
+            <a:schemeClr val="bg1">
+              <a:alpha val="55000"/>
+            </a:schemeClr>
+          </a:solidFill>
+        </p:spPr>
+        <p:txBody>
+          <a:bodyPr wrap="none" rtlCol="0">
+            <a:spAutoFit/>
+          </a:bodyPr>
+          <a:lstStyle/>
+          <a:p>
+            <a:r>
+              <a:rPr lang="en-US" sz="2400" dirty="0" smtClean="0">
+                <a:latin typeface="Times New Roman" pitchFamily="18" charset="0"/>
+                <a:cs typeface="Times New Roman" pitchFamily="18" charset="0"/>
+              </a:rPr>
+              <a:t>AFK</a:t>
+            </a:r>
+            <a:endParaRPr lang="ru-RU" sz="2400" dirty="0">
+              <a:latin typeface="Times New Roman" pitchFamily="18" charset="0"/>
+              <a:cs typeface="Times New Roman" pitchFamily="18" charset="0"/>
+            </a:endParaRPr>
+          </a:p>
+        </p:txBody>
+      </p:sp>
+    </p:spTree>
+  </p:cSld>
+  <p:clrMapOvr>
+    <a:masterClrMapping/>
+  </p:clrMapOvr>
+  <p:timing>
+    <p:tnLst>
+      <p:par>
+        <p:cTn id="1" dur="indefinite" restart="never" nodeType="tmRoot"/>
+      </p:par>
+    </p:tnLst>
+  </p:timing>
+</p:sld>
+</file>
+
+<file path=ppt/slides/slide9.xml><?xml version="1.0" encoding="utf-8"?>
+<p:sld xmlns:a="http://schemas.openxmlformats.org/drawingml/2006/main" xmlns:r="http://schemas.openxmlformats.org/officeDocument/2006/relationships" xmlns:p="http://schemas.openxmlformats.org/presentationml/2006/main">
+  <p:cSld>
+    <p:bg>
+      <p:bgPr>
+        <a:blipFill dpi="0" rotWithShape="1">
+          <a:blip r:embed="rId2" cstate="print">
+            <a:lum/>
+          </a:blip>
+          <a:srcRect/>
+          <a:stretch>
+            <a:fillRect/>
+          </a:stretch>
+        </a:blipFill>
+        <a:effectLst/>
+      </p:bgPr>
+    </p:bg>
+    <p:spTree>
+      <p:nvGrpSpPr>
+        <p:cNvPr id="1" name=""/>
+        <p:cNvGrpSpPr/>
+        <p:nvPr/>
+      </p:nvGrpSpPr>
+      <p:grpSpPr>
+        <a:xfrm>
+          <a:off x="0" y="0"/>
+          <a:ext cx="0" cy="0"/>
+          <a:chOff x="0" y="0"/>
+          <a:chExt cx="0" cy="0"/>
+        </a:xfrm>
+      </p:grpSpPr>
+      <p:sp>
+        <p:nvSpPr>
+          <p:cNvPr id="2" name="Заголовок 1"/>
+          <p:cNvSpPr>
+            <a:spLocks noGrp="1"/>
+          </p:cNvSpPr>
+          <p:nvPr>
+            <p:ph type="title"/>
+          </p:nvPr>
+        </p:nvSpPr>
+        <p:spPr>
+          <a:xfrm>
+            <a:off x="0" y="0"/>
+            <a:ext cx="2736304" cy="850106"/>
+          </a:xfrm>
+          <a:solidFill>
+            <a:schemeClr val="bg1">
+              <a:alpha val="56000"/>
+            </a:schemeClr>
+          </a:solidFill>
+        </p:spPr>
+        <p:txBody>
+          <a:bodyPr/>
+          <a:lstStyle/>
+          <a:p>
+            <a:r>
+              <a:rPr lang="ru-RU" dirty="0" smtClean="0">
+                <a:latin typeface="Times New Roman" pitchFamily="18" charset="0"/>
+                <a:cs typeface="Times New Roman" pitchFamily="18" charset="0"/>
+              </a:rPr>
+              <a:t>Внутри</a:t>
+            </a:r>
+            <a:endParaRPr lang="ru-RU" dirty="0">
+              <a:latin typeface="Times New Roman" pitchFamily="18" charset="0"/>
+              <a:cs typeface="Times New Roman" pitchFamily="18" charset="0"/>
+            </a:endParaRPr>
+          </a:p>
+        </p:txBody>
+      </p:sp>
+      <p:pic>
+        <p:nvPicPr>
+          <p:cNvPr id="4099" name="Picture 3" descr="C:\Users\TEMP.LAPTOP-S6CGT9HB\Downloads\Снимок2.PNG"/>
+          <p:cNvPicPr>
+            <a:picLocks noChangeAspect="1" noChangeArrowheads="1"/>
+          </p:cNvPicPr>
+          <p:nvPr/>
+        </p:nvPicPr>
+        <p:blipFill>
+          <a:blip r:embed="rId3" cstate="print"/>
+          <a:srcRect/>
+          <a:stretch>
+            <a:fillRect/>
+          </a:stretch>
+        </p:blipFill>
+        <p:spPr bwMode="auto">
+          <a:xfrm>
+            <a:off x="4067944" y="692696"/>
+            <a:ext cx="4943475" cy="2105025"/>
+          </a:xfrm>
+          <a:prstGeom prst="rect">
+            <a:avLst/>
+          </a:prstGeom>
+          <a:noFill/>
+          <a:ln w="25400">
+            <a:solidFill>
+              <a:schemeClr val="bg1"/>
+            </a:solidFill>
+          </a:ln>
+        </p:spPr>
+      </p:pic>
+      <p:sp>
+        <p:nvSpPr>
+          <p:cNvPr id="6" name="TextBox 5"/>
+          <p:cNvSpPr txBox="1"/>
+          <p:nvPr/>
+        </p:nvSpPr>
+        <p:spPr>
+          <a:xfrm>
+            <a:off x="1043608" y="1340768"/>
+            <a:ext cx="2210926" cy="646331"/>
+          </a:xfrm>
+          <a:prstGeom prst="rect">
+            <a:avLst/>
+          </a:prstGeom>
+          <a:solidFill>
+            <a:schemeClr val="bg1">
+              <a:alpha val="62000"/>
+            </a:schemeClr>
+          </a:solidFill>
+        </p:spPr>
+        <p:txBody>
+          <a:bodyPr wrap="none" rtlCol="0">
+            <a:spAutoFit/>
+          </a:bodyPr>
+          <a:lstStyle/>
+          <a:p>
+            <a:r>
+              <a:rPr lang="ru-RU" sz="3600" dirty="0" smtClean="0">
+                <a:latin typeface="Times New Roman" pitchFamily="18" charset="0"/>
+                <a:cs typeface="Times New Roman" pitchFamily="18" charset="0"/>
+              </a:rPr>
+              <a:t>Анимация</a:t>
+            </a:r>
+            <a:endParaRPr lang="ru-RU" sz="3600" dirty="0">
+              <a:latin typeface="Times New Roman" pitchFamily="18" charset="0"/>
+              <a:cs typeface="Times New Roman" pitchFamily="18" charset="0"/>
+            </a:endParaRPr>
+          </a:p>
+        </p:txBody>
+      </p:sp>
+      <p:pic>
+        <p:nvPicPr>
+          <p:cNvPr id="4100" name="Picture 4" descr="C:\Users\TEMP.LAPTOP-S6CGT9HB\Downloads\Снимок3.PNG"/>
+          <p:cNvPicPr>
+            <a:picLocks noChangeAspect="1" noChangeArrowheads="1"/>
+          </p:cNvPicPr>
+          <p:nvPr/>
+        </p:nvPicPr>
+        <p:blipFill>
+          <a:blip r:embed="rId4" cstate="print"/>
+          <a:srcRect/>
+          <a:stretch>
+            <a:fillRect/>
+          </a:stretch>
+        </p:blipFill>
+        <p:spPr bwMode="auto">
+          <a:xfrm>
+            <a:off x="3635896" y="3645024"/>
+            <a:ext cx="5324475" cy="3000375"/>
+          </a:xfrm>
+          <a:prstGeom prst="rect">
+            <a:avLst/>
+          </a:prstGeom>
+          <a:noFill/>
+          <a:ln w="28575">
+            <a:solidFill>
+              <a:schemeClr val="bg1"/>
+            </a:solidFill>
+          </a:ln>
+        </p:spPr>
+      </p:pic>
+      <p:sp>
+        <p:nvSpPr>
+          <p:cNvPr id="8" name="TextBox 7"/>
+          <p:cNvSpPr txBox="1"/>
+          <p:nvPr/>
+        </p:nvSpPr>
+        <p:spPr>
+          <a:xfrm>
+            <a:off x="323528" y="3933056"/>
+            <a:ext cx="2952328" cy="2308324"/>
+          </a:xfrm>
+          <a:prstGeom prst="rect">
+            <a:avLst/>
+          </a:prstGeom>
+          <a:solidFill>
+            <a:schemeClr val="bg1">
+              <a:alpha val="51000"/>
+            </a:schemeClr>
+          </a:solidFill>
+        </p:spPr>
+        <p:txBody>
+          <a:bodyPr wrap="square" rtlCol="0">
+            <a:spAutoFit/>
+          </a:bodyPr>
+          <a:lstStyle/>
+          <a:p>
+            <a:r>
+              <a:rPr lang="ru-RU" sz="3600" dirty="0" smtClean="0">
+                <a:latin typeface="Times New Roman" pitchFamily="18" charset="0"/>
+                <a:cs typeface="Times New Roman" pitchFamily="18" charset="0"/>
+              </a:rPr>
+              <a:t>Прорисовка анимации и изменение координаты</a:t>
+            </a:r>
+            <a:endParaRPr lang="ru-RU" sz="3600" dirty="0">
+              <a:latin typeface="Times New Roman" pitchFamily="18" charset="0"/>
+              <a:cs typeface="Times New Roman" pitchFamily="18" charset="0"/>
+            </a:endParaRPr>
           </a:p>
         </p:txBody>
       </p:sp>

--- a/Cyber Ravage.pptx
+++ b/Cyber Ravage.pptx
@@ -9,11 +9,16 @@
     <p:sldId id="257" r:id="rId3"/>
     <p:sldId id="258" r:id="rId4"/>
     <p:sldId id="259" r:id="rId5"/>
-    <p:sldId id="260" r:id="rId6"/>
-    <p:sldId id="261" r:id="rId7"/>
-    <p:sldId id="262" r:id="rId8"/>
-    <p:sldId id="263" r:id="rId9"/>
-    <p:sldId id="264" r:id="rId10"/>
+    <p:sldId id="268" r:id="rId6"/>
+    <p:sldId id="260" r:id="rId7"/>
+    <p:sldId id="261" r:id="rId8"/>
+    <p:sldId id="262" r:id="rId9"/>
+    <p:sldId id="263" r:id="rId10"/>
+    <p:sldId id="264" r:id="rId11"/>
+    <p:sldId id="265" r:id="rId12"/>
+    <p:sldId id="266" r:id="rId13"/>
+    <p:sldId id="267" r:id="rId14"/>
+    <p:sldId id="269" r:id="rId15"/>
   </p:sldIdLst>
   <p:sldSz cx="9144000" cy="6858000" type="screen4x3"/>
   <p:notesSz cx="6858000" cy="9144000"/>
@@ -3207,13 +3212,12 @@
                 <a:latin typeface="Times New Roman" pitchFamily="18" charset="0"/>
                 <a:cs typeface="Times New Roman" pitchFamily="18" charset="0"/>
               </a:rPr>
-              <a:t>Басов Илья</a:t>
-            </a:r>
-            <a:r>
-              <a:rPr lang="ru-RU" dirty="0" smtClean="0"/>
-              <a:t> </a:t>
-            </a:r>
-            <a:endParaRPr lang="ru-RU" dirty="0"/>
+              <a:t>Басов Илья </a:t>
+            </a:r>
+            <a:endParaRPr lang="ru-RU" dirty="0">
+              <a:latin typeface="Times New Roman" pitchFamily="18" charset="0"/>
+              <a:cs typeface="Times New Roman" pitchFamily="18" charset="0"/>
+            </a:endParaRPr>
           </a:p>
         </p:txBody>
       </p:sp>
@@ -3229,6 +3233,858 @@
       </p:par>
     </p:tnLst>
   </p:timing>
+</p:sld>
+</file>
+
+<file path=ppt/slides/slide10.xml><?xml version="1.0" encoding="utf-8"?>
+<p:sld xmlns:a="http://schemas.openxmlformats.org/drawingml/2006/main" xmlns:r="http://schemas.openxmlformats.org/officeDocument/2006/relationships" xmlns:p="http://schemas.openxmlformats.org/presentationml/2006/main">
+  <p:cSld>
+    <p:bg>
+      <p:bgPr>
+        <a:blipFill dpi="0" rotWithShape="1">
+          <a:blip r:embed="rId2" cstate="print">
+            <a:lum/>
+          </a:blip>
+          <a:srcRect/>
+          <a:stretch>
+            <a:fillRect/>
+          </a:stretch>
+        </a:blipFill>
+        <a:effectLst/>
+      </p:bgPr>
+    </p:bg>
+    <p:spTree>
+      <p:nvGrpSpPr>
+        <p:cNvPr id="1" name=""/>
+        <p:cNvGrpSpPr/>
+        <p:nvPr/>
+      </p:nvGrpSpPr>
+      <p:grpSpPr>
+        <a:xfrm>
+          <a:off x="0" y="0"/>
+          <a:ext cx="0" cy="0"/>
+          <a:chOff x="0" y="0"/>
+          <a:chExt cx="0" cy="0"/>
+        </a:xfrm>
+      </p:grpSpPr>
+      <p:sp>
+        <p:nvSpPr>
+          <p:cNvPr id="2" name="Заголовок 1"/>
+          <p:cNvSpPr>
+            <a:spLocks noGrp="1"/>
+          </p:cNvSpPr>
+          <p:nvPr>
+            <p:ph type="title"/>
+          </p:nvPr>
+        </p:nvSpPr>
+        <p:spPr>
+          <a:xfrm>
+            <a:off x="0" y="0"/>
+            <a:ext cx="2736304" cy="850106"/>
+          </a:xfrm>
+          <a:solidFill>
+            <a:schemeClr val="bg1">
+              <a:alpha val="56000"/>
+            </a:schemeClr>
+          </a:solidFill>
+        </p:spPr>
+        <p:txBody>
+          <a:bodyPr/>
+          <a:lstStyle/>
+          <a:p>
+            <a:r>
+              <a:rPr lang="ru-RU" dirty="0" smtClean="0">
+                <a:latin typeface="Times New Roman" pitchFamily="18" charset="0"/>
+                <a:cs typeface="Times New Roman" pitchFamily="18" charset="0"/>
+              </a:rPr>
+              <a:t>Внутри</a:t>
+            </a:r>
+            <a:endParaRPr lang="ru-RU" dirty="0">
+              <a:latin typeface="Times New Roman" pitchFamily="18" charset="0"/>
+              <a:cs typeface="Times New Roman" pitchFamily="18" charset="0"/>
+            </a:endParaRPr>
+          </a:p>
+        </p:txBody>
+      </p:sp>
+      <p:pic>
+        <p:nvPicPr>
+          <p:cNvPr id="4099" name="Picture 3" descr="C:\Users\TEMP.LAPTOP-S6CGT9HB\Downloads\Снимок2.PNG"/>
+          <p:cNvPicPr>
+            <a:picLocks noChangeAspect="1" noChangeArrowheads="1"/>
+          </p:cNvPicPr>
+          <p:nvPr/>
+        </p:nvPicPr>
+        <p:blipFill>
+          <a:blip r:embed="rId3" cstate="print"/>
+          <a:srcRect/>
+          <a:stretch>
+            <a:fillRect/>
+          </a:stretch>
+        </p:blipFill>
+        <p:spPr bwMode="auto">
+          <a:xfrm>
+            <a:off x="4067944" y="692696"/>
+            <a:ext cx="4943475" cy="2105025"/>
+          </a:xfrm>
+          <a:prstGeom prst="rect">
+            <a:avLst/>
+          </a:prstGeom>
+          <a:noFill/>
+          <a:ln w="25400">
+            <a:solidFill>
+              <a:schemeClr val="bg1"/>
+            </a:solidFill>
+          </a:ln>
+        </p:spPr>
+      </p:pic>
+      <p:sp>
+        <p:nvSpPr>
+          <p:cNvPr id="6" name="TextBox 5"/>
+          <p:cNvSpPr txBox="1"/>
+          <p:nvPr/>
+        </p:nvSpPr>
+        <p:spPr>
+          <a:xfrm>
+            <a:off x="1043608" y="1340768"/>
+            <a:ext cx="2210926" cy="646331"/>
+          </a:xfrm>
+          <a:prstGeom prst="rect">
+            <a:avLst/>
+          </a:prstGeom>
+          <a:solidFill>
+            <a:schemeClr val="bg1">
+              <a:alpha val="62000"/>
+            </a:schemeClr>
+          </a:solidFill>
+        </p:spPr>
+        <p:txBody>
+          <a:bodyPr wrap="none" rtlCol="0">
+            <a:spAutoFit/>
+          </a:bodyPr>
+          <a:lstStyle/>
+          <a:p>
+            <a:r>
+              <a:rPr lang="ru-RU" sz="3600" dirty="0" smtClean="0">
+                <a:latin typeface="Times New Roman" pitchFamily="18" charset="0"/>
+                <a:cs typeface="Times New Roman" pitchFamily="18" charset="0"/>
+              </a:rPr>
+              <a:t>Анимация</a:t>
+            </a:r>
+            <a:endParaRPr lang="ru-RU" sz="3600" dirty="0">
+              <a:latin typeface="Times New Roman" pitchFamily="18" charset="0"/>
+              <a:cs typeface="Times New Roman" pitchFamily="18" charset="0"/>
+            </a:endParaRPr>
+          </a:p>
+        </p:txBody>
+      </p:sp>
+      <p:pic>
+        <p:nvPicPr>
+          <p:cNvPr id="4100" name="Picture 4" descr="C:\Users\TEMP.LAPTOP-S6CGT9HB\Downloads\Снимок3.PNG"/>
+          <p:cNvPicPr>
+            <a:picLocks noChangeAspect="1" noChangeArrowheads="1"/>
+          </p:cNvPicPr>
+          <p:nvPr/>
+        </p:nvPicPr>
+        <p:blipFill>
+          <a:blip r:embed="rId4" cstate="print"/>
+          <a:srcRect/>
+          <a:stretch>
+            <a:fillRect/>
+          </a:stretch>
+        </p:blipFill>
+        <p:spPr bwMode="auto">
+          <a:xfrm>
+            <a:off x="3635896" y="3645024"/>
+            <a:ext cx="5324475" cy="3000375"/>
+          </a:xfrm>
+          <a:prstGeom prst="rect">
+            <a:avLst/>
+          </a:prstGeom>
+          <a:noFill/>
+          <a:ln w="28575">
+            <a:solidFill>
+              <a:schemeClr val="bg1"/>
+            </a:solidFill>
+          </a:ln>
+        </p:spPr>
+      </p:pic>
+      <p:sp>
+        <p:nvSpPr>
+          <p:cNvPr id="8" name="TextBox 7"/>
+          <p:cNvSpPr txBox="1"/>
+          <p:nvPr/>
+        </p:nvSpPr>
+        <p:spPr>
+          <a:xfrm>
+            <a:off x="323528" y="3933056"/>
+            <a:ext cx="2952328" cy="2308324"/>
+          </a:xfrm>
+          <a:prstGeom prst="rect">
+            <a:avLst/>
+          </a:prstGeom>
+          <a:solidFill>
+            <a:schemeClr val="bg1">
+              <a:alpha val="51000"/>
+            </a:schemeClr>
+          </a:solidFill>
+        </p:spPr>
+        <p:txBody>
+          <a:bodyPr wrap="square" rtlCol="0">
+            <a:spAutoFit/>
+          </a:bodyPr>
+          <a:lstStyle/>
+          <a:p>
+            <a:r>
+              <a:rPr lang="ru-RU" sz="3600" dirty="0" smtClean="0">
+                <a:latin typeface="Times New Roman" pitchFamily="18" charset="0"/>
+                <a:cs typeface="Times New Roman" pitchFamily="18" charset="0"/>
+              </a:rPr>
+              <a:t>Прорисовка анимации и изменение координаты</a:t>
+            </a:r>
+            <a:endParaRPr lang="ru-RU" sz="3600" dirty="0">
+              <a:latin typeface="Times New Roman" pitchFamily="18" charset="0"/>
+              <a:cs typeface="Times New Roman" pitchFamily="18" charset="0"/>
+            </a:endParaRPr>
+          </a:p>
+        </p:txBody>
+      </p:sp>
+    </p:spTree>
+  </p:cSld>
+  <p:clrMapOvr>
+    <a:masterClrMapping/>
+  </p:clrMapOvr>
+  <p:timing>
+    <p:tnLst>
+      <p:par>
+        <p:cTn id="1" dur="indefinite" restart="never" nodeType="tmRoot"/>
+      </p:par>
+    </p:tnLst>
+  </p:timing>
+</p:sld>
+</file>
+
+<file path=ppt/slides/slide11.xml><?xml version="1.0" encoding="utf-8"?>
+<p:sld xmlns:a="http://schemas.openxmlformats.org/drawingml/2006/main" xmlns:r="http://schemas.openxmlformats.org/officeDocument/2006/relationships" xmlns:p="http://schemas.openxmlformats.org/presentationml/2006/main">
+  <p:cSld>
+    <p:bg>
+      <p:bgPr>
+        <a:blipFill dpi="0" rotWithShape="1">
+          <a:blip r:embed="rId2" cstate="print">
+            <a:lum/>
+          </a:blip>
+          <a:srcRect/>
+          <a:stretch>
+            <a:fillRect t="-40000" b="-40000"/>
+          </a:stretch>
+        </a:blipFill>
+        <a:effectLst/>
+      </p:bgPr>
+    </p:bg>
+    <p:spTree>
+      <p:nvGrpSpPr>
+        <p:cNvPr id="1" name=""/>
+        <p:cNvGrpSpPr/>
+        <p:nvPr/>
+      </p:nvGrpSpPr>
+      <p:grpSpPr>
+        <a:xfrm>
+          <a:off x="0" y="0"/>
+          <a:ext cx="0" cy="0"/>
+          <a:chOff x="0" y="0"/>
+          <a:chExt cx="0" cy="0"/>
+        </a:xfrm>
+      </p:grpSpPr>
+      <p:sp>
+        <p:nvSpPr>
+          <p:cNvPr id="2" name="Заголовок 1"/>
+          <p:cNvSpPr>
+            <a:spLocks noGrp="1"/>
+          </p:cNvSpPr>
+          <p:nvPr>
+            <p:ph type="title"/>
+          </p:nvPr>
+        </p:nvSpPr>
+        <p:spPr>
+          <a:xfrm>
+            <a:off x="1043608" y="692696"/>
+            <a:ext cx="3600400" cy="1143000"/>
+          </a:xfrm>
+          <a:prstGeom prst="roundRect">
+            <a:avLst/>
+          </a:prstGeom>
+          <a:solidFill>
+            <a:schemeClr val="bg1">
+              <a:alpha val="72000"/>
+            </a:schemeClr>
+          </a:solidFill>
+        </p:spPr>
+        <p:txBody>
+          <a:bodyPr/>
+          <a:lstStyle/>
+          <a:p>
+            <a:r>
+              <a:rPr lang="ru-RU" dirty="0" smtClean="0">
+                <a:latin typeface="Times New Roman" pitchFamily="18" charset="0"/>
+                <a:cs typeface="Times New Roman" pitchFamily="18" charset="0"/>
+              </a:rPr>
+              <a:t>Прыжок</a:t>
+            </a:r>
+            <a:endParaRPr lang="ru-RU" dirty="0">
+              <a:latin typeface="Times New Roman" pitchFamily="18" charset="0"/>
+              <a:cs typeface="Times New Roman" pitchFamily="18" charset="0"/>
+            </a:endParaRPr>
+          </a:p>
+        </p:txBody>
+      </p:sp>
+      <p:pic>
+        <p:nvPicPr>
+          <p:cNvPr id="1026" name="Picture 2" descr="C:\Users\TEMP.LAPTOP-S6CGT9HB\Downloads\Снимок4.PNG"/>
+          <p:cNvPicPr>
+            <a:picLocks noChangeAspect="1" noChangeArrowheads="1"/>
+          </p:cNvPicPr>
+          <p:nvPr/>
+        </p:nvPicPr>
+        <p:blipFill>
+          <a:blip r:embed="rId3" cstate="print"/>
+          <a:srcRect/>
+          <a:stretch>
+            <a:fillRect/>
+          </a:stretch>
+        </p:blipFill>
+        <p:spPr bwMode="auto">
+          <a:xfrm>
+            <a:off x="3707904" y="2852936"/>
+            <a:ext cx="5263342" cy="3312368"/>
+          </a:xfrm>
+          <a:prstGeom prst="rect">
+            <a:avLst/>
+          </a:prstGeom>
+          <a:noFill/>
+          <a:ln w="28575">
+            <a:solidFill>
+              <a:schemeClr val="bg1"/>
+            </a:solidFill>
+          </a:ln>
+        </p:spPr>
+      </p:pic>
+    </p:spTree>
+  </p:cSld>
+  <p:clrMapOvr>
+    <a:masterClrMapping/>
+  </p:clrMapOvr>
+  <p:timing>
+    <p:tnLst>
+      <p:par>
+        <p:cTn id="1" dur="indefinite" restart="never" nodeType="tmRoot"/>
+      </p:par>
+    </p:tnLst>
+  </p:timing>
+</p:sld>
+</file>
+
+<file path=ppt/slides/slide12.xml><?xml version="1.0" encoding="utf-8"?>
+<p:sld xmlns:a="http://schemas.openxmlformats.org/drawingml/2006/main" xmlns:r="http://schemas.openxmlformats.org/officeDocument/2006/relationships" xmlns:p="http://schemas.openxmlformats.org/presentationml/2006/main">
+  <p:cSld>
+    <p:bg>
+      <p:bgPr>
+        <a:blipFill dpi="0" rotWithShape="1">
+          <a:blip r:embed="rId2" cstate="print">
+            <a:lum/>
+          </a:blip>
+          <a:srcRect/>
+          <a:stretch>
+            <a:fillRect t="-25000" b="-50000"/>
+          </a:stretch>
+        </a:blipFill>
+        <a:effectLst/>
+      </p:bgPr>
+    </p:bg>
+    <p:spTree>
+      <p:nvGrpSpPr>
+        <p:cNvPr id="1" name=""/>
+        <p:cNvGrpSpPr/>
+        <p:nvPr/>
+      </p:nvGrpSpPr>
+      <p:grpSpPr>
+        <a:xfrm>
+          <a:off x="0" y="0"/>
+          <a:ext cx="0" cy="0"/>
+          <a:chOff x="0" y="0"/>
+          <a:chExt cx="0" cy="0"/>
+        </a:xfrm>
+      </p:grpSpPr>
+      <p:sp>
+        <p:nvSpPr>
+          <p:cNvPr id="2" name="Заголовок 1"/>
+          <p:cNvSpPr>
+            <a:spLocks noGrp="1"/>
+          </p:cNvSpPr>
+          <p:nvPr>
+            <p:ph type="title"/>
+          </p:nvPr>
+        </p:nvSpPr>
+        <p:spPr>
+          <a:xfrm>
+            <a:off x="611560" y="404664"/>
+            <a:ext cx="3240360" cy="1012974"/>
+          </a:xfrm>
+          <a:solidFill>
+            <a:schemeClr val="bg1">
+              <a:alpha val="54000"/>
+            </a:schemeClr>
+          </a:solidFill>
+        </p:spPr>
+        <p:txBody>
+          <a:bodyPr/>
+          <a:lstStyle/>
+          <a:p>
+            <a:r>
+              <a:rPr lang="ru-RU" dirty="0" smtClean="0">
+                <a:latin typeface="Times New Roman" pitchFamily="18" charset="0"/>
+                <a:cs typeface="Times New Roman" pitchFamily="18" charset="0"/>
+              </a:rPr>
+              <a:t>Атака</a:t>
+            </a:r>
+            <a:endParaRPr lang="ru-RU" dirty="0">
+              <a:latin typeface="Times New Roman" pitchFamily="18" charset="0"/>
+              <a:cs typeface="Times New Roman" pitchFamily="18" charset="0"/>
+            </a:endParaRPr>
+          </a:p>
+        </p:txBody>
+      </p:sp>
+      <p:pic>
+        <p:nvPicPr>
+          <p:cNvPr id="2050" name="Picture 2" descr="C:\Users\TEMP.LAPTOP-S6CGT9HB\Downloads\Снимок5.PNG"/>
+          <p:cNvPicPr>
+            <a:picLocks noChangeAspect="1" noChangeArrowheads="1"/>
+          </p:cNvPicPr>
+          <p:nvPr/>
+        </p:nvPicPr>
+        <p:blipFill>
+          <a:blip r:embed="rId3" cstate="print"/>
+          <a:srcRect/>
+          <a:stretch>
+            <a:fillRect/>
+          </a:stretch>
+        </p:blipFill>
+        <p:spPr bwMode="auto">
+          <a:xfrm>
+            <a:off x="4716016" y="404664"/>
+            <a:ext cx="3924300" cy="2219325"/>
+          </a:xfrm>
+          <a:prstGeom prst="rect">
+            <a:avLst/>
+          </a:prstGeom>
+          <a:noFill/>
+          <a:ln w="28575">
+            <a:solidFill>
+              <a:schemeClr val="bg1"/>
+            </a:solidFill>
+          </a:ln>
+        </p:spPr>
+      </p:pic>
+      <p:pic>
+        <p:nvPicPr>
+          <p:cNvPr id="2052" name="Picture 4" descr="C:\Users\TEMP.LAPTOP-S6CGT9HB\Downloads\Снимок6.PNG"/>
+          <p:cNvPicPr>
+            <a:picLocks noChangeAspect="1" noChangeArrowheads="1"/>
+          </p:cNvPicPr>
+          <p:nvPr/>
+        </p:nvPicPr>
+        <p:blipFill>
+          <a:blip r:embed="rId4" cstate="print"/>
+          <a:srcRect/>
+          <a:stretch>
+            <a:fillRect/>
+          </a:stretch>
+        </p:blipFill>
+        <p:spPr bwMode="auto">
+          <a:xfrm>
+            <a:off x="4067944" y="3356992"/>
+            <a:ext cx="4607692" cy="2884959"/>
+          </a:xfrm>
+          <a:prstGeom prst="rect">
+            <a:avLst/>
+          </a:prstGeom>
+          <a:noFill/>
+          <a:ln w="28575">
+            <a:solidFill>
+              <a:schemeClr val="bg1"/>
+            </a:solidFill>
+          </a:ln>
+        </p:spPr>
+      </p:pic>
+    </p:spTree>
+  </p:cSld>
+  <p:clrMapOvr>
+    <a:masterClrMapping/>
+  </p:clrMapOvr>
+  <p:timing>
+    <p:tnLst>
+      <p:par>
+        <p:cTn id="1" dur="indefinite" restart="never" nodeType="tmRoot"/>
+      </p:par>
+    </p:tnLst>
+  </p:timing>
+</p:sld>
+</file>
+
+<file path=ppt/slides/slide13.xml><?xml version="1.0" encoding="utf-8"?>
+<p:sld xmlns:a="http://schemas.openxmlformats.org/drawingml/2006/main" xmlns:r="http://schemas.openxmlformats.org/officeDocument/2006/relationships" xmlns:p="http://schemas.openxmlformats.org/presentationml/2006/main">
+  <p:cSld>
+    <p:bg>
+      <p:bgPr>
+        <a:blipFill dpi="0" rotWithShape="1">
+          <a:blip r:embed="rId2" cstate="print">
+            <a:lum/>
+          </a:blip>
+          <a:srcRect/>
+          <a:stretch>
+            <a:fillRect/>
+          </a:stretch>
+        </a:blipFill>
+        <a:effectLst/>
+      </p:bgPr>
+    </p:bg>
+    <p:spTree>
+      <p:nvGrpSpPr>
+        <p:cNvPr id="1" name=""/>
+        <p:cNvGrpSpPr/>
+        <p:nvPr/>
+      </p:nvGrpSpPr>
+      <p:grpSpPr>
+        <a:xfrm>
+          <a:off x="0" y="0"/>
+          <a:ext cx="0" cy="0"/>
+          <a:chOff x="0" y="0"/>
+          <a:chExt cx="0" cy="0"/>
+        </a:xfrm>
+      </p:grpSpPr>
+      <p:sp>
+        <p:nvSpPr>
+          <p:cNvPr id="2" name="Заголовок 1"/>
+          <p:cNvSpPr>
+            <a:spLocks noGrp="1"/>
+          </p:cNvSpPr>
+          <p:nvPr>
+            <p:ph type="title"/>
+          </p:nvPr>
+        </p:nvSpPr>
+        <p:spPr>
+          <a:xfrm>
+            <a:off x="827584" y="404664"/>
+            <a:ext cx="3960440" cy="1012974"/>
+          </a:xfrm>
+          <a:solidFill>
+            <a:schemeClr val="bg1">
+              <a:alpha val="49000"/>
+            </a:schemeClr>
+          </a:solidFill>
+        </p:spPr>
+        <p:txBody>
+          <a:bodyPr/>
+          <a:lstStyle/>
+          <a:p>
+            <a:r>
+              <a:rPr lang="ru-RU" dirty="0" smtClean="0">
+                <a:latin typeface="Times New Roman" pitchFamily="18" charset="0"/>
+                <a:cs typeface="Times New Roman" pitchFamily="18" charset="0"/>
+              </a:rPr>
+              <a:t>Поражение</a:t>
+            </a:r>
+            <a:endParaRPr lang="ru-RU" dirty="0">
+              <a:latin typeface="Times New Roman" pitchFamily="18" charset="0"/>
+              <a:cs typeface="Times New Roman" pitchFamily="18" charset="0"/>
+            </a:endParaRPr>
+          </a:p>
+        </p:txBody>
+      </p:sp>
+      <p:pic>
+        <p:nvPicPr>
+          <p:cNvPr id="3074" name="Picture 2" descr="C:\Users\TEMP.LAPTOP-S6CGT9HB\Downloads\Снимок8.PNG"/>
+          <p:cNvPicPr>
+            <a:picLocks noChangeAspect="1" noChangeArrowheads="1"/>
+          </p:cNvPicPr>
+          <p:nvPr/>
+        </p:nvPicPr>
+        <p:blipFill>
+          <a:blip r:embed="rId3" cstate="print"/>
+          <a:srcRect/>
+          <a:stretch>
+            <a:fillRect/>
+          </a:stretch>
+        </p:blipFill>
+        <p:spPr bwMode="auto">
+          <a:xfrm>
+            <a:off x="3131840" y="4005064"/>
+            <a:ext cx="5572742" cy="2588518"/>
+          </a:xfrm>
+          <a:prstGeom prst="rect">
+            <a:avLst/>
+          </a:prstGeom>
+          <a:noFill/>
+          <a:ln w="28575">
+            <a:solidFill>
+              <a:schemeClr val="bg1"/>
+            </a:solidFill>
+          </a:ln>
+        </p:spPr>
+      </p:pic>
+      <p:pic>
+        <p:nvPicPr>
+          <p:cNvPr id="3075" name="Picture 3" descr="C:\Users\TEMP.LAPTOP-S6CGT9HB\Downloads\Снимок7.PNG"/>
+          <p:cNvPicPr>
+            <a:picLocks noChangeAspect="1" noChangeArrowheads="1"/>
+          </p:cNvPicPr>
+          <p:nvPr/>
+        </p:nvPicPr>
+        <p:blipFill>
+          <a:blip r:embed="rId4" cstate="print"/>
+          <a:srcRect/>
+          <a:stretch>
+            <a:fillRect/>
+          </a:stretch>
+        </p:blipFill>
+        <p:spPr bwMode="auto">
+          <a:xfrm>
+            <a:off x="5940152" y="2060848"/>
+            <a:ext cx="1514475" cy="904875"/>
+          </a:xfrm>
+          <a:prstGeom prst="rect">
+            <a:avLst/>
+          </a:prstGeom>
+          <a:noFill/>
+          <a:ln w="28575">
+            <a:solidFill>
+              <a:schemeClr val="bg1"/>
+            </a:solidFill>
+          </a:ln>
+        </p:spPr>
+      </p:pic>
+      <p:sp>
+        <p:nvSpPr>
+          <p:cNvPr id="6" name="TextBox 5"/>
+          <p:cNvSpPr txBox="1"/>
+          <p:nvPr/>
+        </p:nvSpPr>
+        <p:spPr>
+          <a:xfrm>
+            <a:off x="2123728" y="1988840"/>
+            <a:ext cx="2664296" cy="830997"/>
+          </a:xfrm>
+          <a:prstGeom prst="rect">
+            <a:avLst/>
+          </a:prstGeom>
+          <a:solidFill>
+            <a:schemeClr val="bg1">
+              <a:alpha val="70000"/>
+            </a:schemeClr>
+          </a:solidFill>
+        </p:spPr>
+        <p:txBody>
+          <a:bodyPr wrap="square" rtlCol="0">
+            <a:spAutoFit/>
+          </a:bodyPr>
+          <a:lstStyle/>
+          <a:p>
+            <a:r>
+              <a:rPr lang="ru-RU" sz="2400" dirty="0" smtClean="0">
+                <a:latin typeface="Times New Roman" pitchFamily="18" charset="0"/>
+                <a:cs typeface="Times New Roman" pitchFamily="18" charset="0"/>
+              </a:rPr>
+              <a:t>Запуск основного цикла игры</a:t>
+            </a:r>
+            <a:endParaRPr lang="ru-RU" sz="2400" dirty="0">
+              <a:latin typeface="Times New Roman" pitchFamily="18" charset="0"/>
+              <a:cs typeface="Times New Roman" pitchFamily="18" charset="0"/>
+            </a:endParaRPr>
+          </a:p>
+        </p:txBody>
+      </p:sp>
+      <p:sp>
+        <p:nvSpPr>
+          <p:cNvPr id="7" name="TextBox 6"/>
+          <p:cNvSpPr txBox="1"/>
+          <p:nvPr/>
+        </p:nvSpPr>
+        <p:spPr>
+          <a:xfrm>
+            <a:off x="179512" y="4653136"/>
+            <a:ext cx="2808312" cy="1077218"/>
+          </a:xfrm>
+          <a:prstGeom prst="rect">
+            <a:avLst/>
+          </a:prstGeom>
+          <a:solidFill>
+            <a:schemeClr val="bg1">
+              <a:alpha val="56000"/>
+            </a:schemeClr>
+          </a:solidFill>
+        </p:spPr>
+        <p:txBody>
+          <a:bodyPr wrap="square" rtlCol="0">
+            <a:spAutoFit/>
+          </a:bodyPr>
+          <a:lstStyle/>
+          <a:p>
+            <a:r>
+              <a:rPr lang="ru-RU" sz="3200" dirty="0" smtClean="0">
+                <a:latin typeface="Times New Roman" pitchFamily="18" charset="0"/>
+                <a:cs typeface="Times New Roman" pitchFamily="18" charset="0"/>
+              </a:rPr>
+              <a:t>Сброс всех характеристик</a:t>
+            </a:r>
+            <a:endParaRPr lang="ru-RU" sz="3200" dirty="0">
+              <a:latin typeface="Times New Roman" pitchFamily="18" charset="0"/>
+              <a:cs typeface="Times New Roman" pitchFamily="18" charset="0"/>
+            </a:endParaRPr>
+          </a:p>
+        </p:txBody>
+      </p:sp>
+    </p:spTree>
+  </p:cSld>
+  <p:clrMapOvr>
+    <a:masterClrMapping/>
+  </p:clrMapOvr>
+  <p:timing>
+    <p:tnLst>
+      <p:par>
+        <p:cTn id="1" dur="indefinite" restart="never" nodeType="tmRoot"/>
+      </p:par>
+    </p:tnLst>
+  </p:timing>
+</p:sld>
+</file>
+
+<file path=ppt/slides/slide14.xml><?xml version="1.0" encoding="utf-8"?>
+<p:sld xmlns:a="http://schemas.openxmlformats.org/drawingml/2006/main" xmlns:r="http://schemas.openxmlformats.org/officeDocument/2006/relationships" xmlns:p="http://schemas.openxmlformats.org/presentationml/2006/main">
+  <p:cSld>
+    <p:bg>
+      <p:bgPr>
+        <a:blipFill dpi="0" rotWithShape="1">
+          <a:blip r:embed="rId2" cstate="print">
+            <a:lum/>
+          </a:blip>
+          <a:srcRect/>
+          <a:stretch>
+            <a:fillRect t="-58000" b="-58000"/>
+          </a:stretch>
+        </a:blipFill>
+        <a:effectLst/>
+      </p:bgPr>
+    </p:bg>
+    <p:spTree>
+      <p:nvGrpSpPr>
+        <p:cNvPr id="1" name=""/>
+        <p:cNvGrpSpPr/>
+        <p:nvPr/>
+      </p:nvGrpSpPr>
+      <p:grpSpPr>
+        <a:xfrm>
+          <a:off x="0" y="0"/>
+          <a:ext cx="0" cy="0"/>
+          <a:chOff x="0" y="0"/>
+          <a:chExt cx="0" cy="0"/>
+        </a:xfrm>
+      </p:grpSpPr>
+      <p:sp>
+        <p:nvSpPr>
+          <p:cNvPr id="2" name="Заголовок 1"/>
+          <p:cNvSpPr>
+            <a:spLocks noGrp="1"/>
+          </p:cNvSpPr>
+          <p:nvPr>
+            <p:ph type="title"/>
+          </p:nvPr>
+        </p:nvSpPr>
+        <p:spPr>
+          <a:xfrm>
+            <a:off x="2915816" y="404664"/>
+            <a:ext cx="3322712" cy="1012974"/>
+          </a:xfrm>
+          <a:solidFill>
+            <a:schemeClr val="bg1">
+              <a:alpha val="82000"/>
+            </a:schemeClr>
+          </a:solidFill>
+        </p:spPr>
+        <p:txBody>
+          <a:bodyPr/>
+          <a:lstStyle/>
+          <a:p>
+            <a:r>
+              <a:rPr lang="ru-RU" dirty="0" smtClean="0">
+                <a:latin typeface="Times New Roman" pitchFamily="18" charset="0"/>
+                <a:cs typeface="Times New Roman" pitchFamily="18" charset="0"/>
+              </a:rPr>
+              <a:t>Выводы</a:t>
+            </a:r>
+            <a:endParaRPr lang="ru-RU" dirty="0">
+              <a:latin typeface="Times New Roman" pitchFamily="18" charset="0"/>
+              <a:cs typeface="Times New Roman" pitchFamily="18" charset="0"/>
+            </a:endParaRPr>
+          </a:p>
+        </p:txBody>
+      </p:sp>
+      <p:sp>
+        <p:nvSpPr>
+          <p:cNvPr id="4" name="Прямоугольник 3"/>
+          <p:cNvSpPr/>
+          <p:nvPr/>
+        </p:nvSpPr>
+        <p:spPr>
+          <a:xfrm>
+            <a:off x="827584" y="2204864"/>
+            <a:ext cx="7632848" cy="1938992"/>
+          </a:xfrm>
+          <a:prstGeom prst="rect">
+            <a:avLst/>
+          </a:prstGeom>
+          <a:solidFill>
+            <a:schemeClr val="bg1">
+              <a:alpha val="66000"/>
+            </a:schemeClr>
+          </a:solidFill>
+        </p:spPr>
+        <p:txBody>
+          <a:bodyPr wrap="square">
+            <a:spAutoFit/>
+          </a:bodyPr>
+          <a:lstStyle/>
+          <a:p>
+            <a:r>
+              <a:rPr lang="ru-RU" sz="2400" dirty="0" smtClean="0">
+                <a:latin typeface="Times New Roman" pitchFamily="18" charset="0"/>
+                <a:cs typeface="Times New Roman" pitchFamily="18" charset="0"/>
+              </a:rPr>
+              <a:t>У меня получилось опробовать себя в создании игры, погрузиться в процесс разработки, отладки. Я получил большее понимание о работе с ООП, улучшил навыки программирования на </a:t>
+            </a:r>
+            <a:r>
+              <a:rPr lang="ru-RU" sz="2400" dirty="0" err="1" smtClean="0">
+                <a:latin typeface="Times New Roman" pitchFamily="18" charset="0"/>
+                <a:cs typeface="Times New Roman" pitchFamily="18" charset="0"/>
+              </a:rPr>
+              <a:t>python</a:t>
+            </a:r>
+            <a:r>
+              <a:rPr lang="ru-RU" sz="2400" dirty="0" smtClean="0">
+                <a:latin typeface="Times New Roman" pitchFamily="18" charset="0"/>
+                <a:cs typeface="Times New Roman" pitchFamily="18" charset="0"/>
+              </a:rPr>
+              <a:t> и попробовал работать с системой контроля версий GIT.</a:t>
+            </a:r>
+            <a:endParaRPr lang="ru-RU" sz="2400" dirty="0">
+              <a:latin typeface="Times New Roman" pitchFamily="18" charset="0"/>
+              <a:cs typeface="Times New Roman" pitchFamily="18" charset="0"/>
+            </a:endParaRPr>
+          </a:p>
+        </p:txBody>
+      </p:sp>
+    </p:spTree>
+  </p:cSld>
+  <p:clrMapOvr>
+    <a:masterClrMapping/>
+  </p:clrMapOvr>
 </p:sld>
 </file>
 
@@ -3368,21 +4224,7 @@
                 <a:latin typeface="Times New Roman" pitchFamily="18" charset="0"/>
                 <a:cs typeface="Times New Roman" pitchFamily="18" charset="0"/>
               </a:rPr>
-              <a:t>«Чтобы выигрывать, </a:t>
-            </a:r>
-            <a:r>
-              <a:rPr lang="ru-RU" sz="3200" i="1" smtClean="0">
-                <a:latin typeface="Times New Roman" pitchFamily="18" charset="0"/>
-                <a:cs typeface="Times New Roman" pitchFamily="18" charset="0"/>
-              </a:rPr>
-              <a:t>прежде всего </a:t>
-            </a:r>
-            <a:r>
-              <a:rPr lang="ru-RU" sz="3200" i="1" dirty="0" smtClean="0">
-                <a:latin typeface="Times New Roman" pitchFamily="18" charset="0"/>
-                <a:cs typeface="Times New Roman" pitchFamily="18" charset="0"/>
-              </a:rPr>
-              <a:t>нужно играть»</a:t>
+              <a:t>«Чтобы выигрывать, прежде всего нужно играть»</a:t>
             </a:r>
           </a:p>
           <a:p>
@@ -3904,6 +4746,159 @@
           </a:blip>
           <a:srcRect/>
           <a:stretch>
+            <a:fillRect b="-25000"/>
+          </a:stretch>
+        </a:blipFill>
+        <a:effectLst/>
+      </p:bgPr>
+    </p:bg>
+    <p:spTree>
+      <p:nvGrpSpPr>
+        <p:cNvPr id="1" name=""/>
+        <p:cNvGrpSpPr/>
+        <p:nvPr/>
+      </p:nvGrpSpPr>
+      <p:grpSpPr>
+        <a:xfrm>
+          <a:off x="0" y="0"/>
+          <a:ext cx="0" cy="0"/>
+          <a:chOff x="0" y="0"/>
+          <a:chExt cx="0" cy="0"/>
+        </a:xfrm>
+      </p:grpSpPr>
+      <p:sp>
+        <p:nvSpPr>
+          <p:cNvPr id="2" name="Заголовок 1"/>
+          <p:cNvSpPr>
+            <a:spLocks noGrp="1"/>
+          </p:cNvSpPr>
+          <p:nvPr>
+            <p:ph type="title"/>
+          </p:nvPr>
+        </p:nvSpPr>
+        <p:spPr>
+          <a:xfrm>
+            <a:off x="899592" y="476672"/>
+            <a:ext cx="3250704" cy="940966"/>
+          </a:xfrm>
+          <a:solidFill>
+            <a:schemeClr val="bg1">
+              <a:alpha val="53000"/>
+            </a:schemeClr>
+          </a:solidFill>
+        </p:spPr>
+        <p:txBody>
+          <a:bodyPr/>
+          <a:lstStyle/>
+          <a:p>
+            <a:r>
+              <a:rPr lang="ru-RU" dirty="0" smtClean="0"/>
+              <a:t>Аналоги</a:t>
+            </a:r>
+            <a:endParaRPr lang="ru-RU" dirty="0"/>
+          </a:p>
+        </p:txBody>
+      </p:sp>
+      <p:pic>
+        <p:nvPicPr>
+          <p:cNvPr id="4098" name="Picture 2" descr="C:\Users\TEMP.LAPTOP-S6CGT9HB\Downloads\1662488167_new_preview_the_binding_of_isaac___icon_by_blagoicons_da3zzxb-fullview.png"/>
+          <p:cNvPicPr>
+            <a:picLocks noChangeAspect="1" noChangeArrowheads="1"/>
+          </p:cNvPicPr>
+          <p:nvPr/>
+        </p:nvPicPr>
+        <p:blipFill>
+          <a:blip r:embed="rId3" cstate="print"/>
+          <a:srcRect/>
+          <a:stretch>
+            <a:fillRect/>
+          </a:stretch>
+        </p:blipFill>
+        <p:spPr bwMode="auto">
+          <a:xfrm>
+            <a:off x="971600" y="2708920"/>
+            <a:ext cx="2280592" cy="2280592"/>
+          </a:xfrm>
+          <a:prstGeom prst="rect">
+            <a:avLst/>
+          </a:prstGeom>
+          <a:noFill/>
+          <a:ln>
+            <a:noFill/>
+          </a:ln>
+        </p:spPr>
+      </p:pic>
+      <p:pic>
+        <p:nvPicPr>
+          <p:cNvPr id="4099" name="Picture 3" descr="C:\Users\TEMP.LAPTOP-S6CGT9HB\Downloads\p1_4131211_d7cf6bae.png"/>
+          <p:cNvPicPr>
+            <a:picLocks noChangeAspect="1" noChangeArrowheads="1"/>
+          </p:cNvPicPr>
+          <p:nvPr/>
+        </p:nvPicPr>
+        <p:blipFill>
+          <a:blip r:embed="rId4" cstate="print"/>
+          <a:srcRect/>
+          <a:stretch>
+            <a:fillRect/>
+          </a:stretch>
+        </p:blipFill>
+        <p:spPr bwMode="auto">
+          <a:xfrm>
+            <a:off x="4572000" y="4365104"/>
+            <a:ext cx="2160240" cy="2160240"/>
+          </a:xfrm>
+          <a:prstGeom prst="rect">
+            <a:avLst/>
+          </a:prstGeom>
+          <a:noFill/>
+        </p:spPr>
+      </p:pic>
+      <p:pic>
+        <p:nvPicPr>
+          <p:cNvPr id="4100" name="Picture 4" descr="C:\Users\TEMP.LAPTOP-S6CGT9HB\Downloads\9447554ce47d893a8de5441316991c1a.jpg"/>
+          <p:cNvPicPr>
+            <a:picLocks noChangeAspect="1" noChangeArrowheads="1"/>
+          </p:cNvPicPr>
+          <p:nvPr/>
+        </p:nvPicPr>
+        <p:blipFill>
+          <a:blip r:embed="rId5" cstate="print"/>
+          <a:srcRect/>
+          <a:stretch>
+            <a:fillRect/>
+          </a:stretch>
+        </p:blipFill>
+        <p:spPr bwMode="auto">
+          <a:xfrm>
+            <a:off x="5436096" y="1844824"/>
+            <a:ext cx="1681808" cy="1681808"/>
+          </a:xfrm>
+          <a:prstGeom prst="rect">
+            <a:avLst/>
+          </a:prstGeom>
+          <a:noFill/>
+        </p:spPr>
+      </p:pic>
+    </p:spTree>
+  </p:cSld>
+  <p:clrMapOvr>
+    <a:masterClrMapping/>
+  </p:clrMapOvr>
+</p:sld>
+</file>
+
+<file path=ppt/slides/slide6.xml><?xml version="1.0" encoding="utf-8"?>
+<p:sld xmlns:a="http://schemas.openxmlformats.org/drawingml/2006/main" xmlns:r="http://schemas.openxmlformats.org/officeDocument/2006/relationships" xmlns:p="http://schemas.openxmlformats.org/presentationml/2006/main">
+  <p:cSld>
+    <p:bg>
+      <p:bgPr>
+        <a:blipFill dpi="0" rotWithShape="1">
+          <a:blip r:embed="rId2" cstate="print">
+            <a:lum/>
+          </a:blip>
+          <a:srcRect/>
+          <a:stretch>
             <a:fillRect t="-38000" b="-38000"/>
           </a:stretch>
         </a:blipFill>
@@ -4199,7 +5194,7 @@
 </p:sld>
 </file>
 
-<file path=ppt/slides/slide6.xml><?xml version="1.0" encoding="utf-8"?>
+<file path=ppt/slides/slide7.xml><?xml version="1.0" encoding="utf-8"?>
 <p:sld xmlns:a="http://schemas.openxmlformats.org/drawingml/2006/main" xmlns:r="http://schemas.openxmlformats.org/officeDocument/2006/relationships" xmlns:p="http://schemas.openxmlformats.org/presentationml/2006/main">
   <p:cSld>
     <p:bg>
@@ -4301,10 +5296,16 @@
           <a:lstStyle/>
           <a:p>
             <a:r>
-              <a:rPr lang="en-US" sz="4000" dirty="0" smtClean="0"/>
+              <a:rPr lang="en-US" sz="4000" dirty="0" smtClean="0">
+                <a:latin typeface="Times New Roman" pitchFamily="18" charset="0"/>
+                <a:cs typeface="Times New Roman" pitchFamily="18" charset="0"/>
+              </a:rPr>
               <a:t>Rouglike</a:t>
             </a:r>
-            <a:endParaRPr lang="ru-RU" sz="4000" dirty="0"/>
+            <a:endParaRPr lang="ru-RU" sz="4000" dirty="0">
+              <a:latin typeface="Times New Roman" pitchFamily="18" charset="0"/>
+              <a:cs typeface="Times New Roman" pitchFamily="18" charset="0"/>
+            </a:endParaRPr>
           </a:p>
         </p:txBody>
       </p:sp>
@@ -4402,177 +5403,6 @@
               <a:t>Бей и беги</a:t>
             </a:r>
             <a:endParaRPr lang="ru-RU" sz="4000" dirty="0">
-              <a:latin typeface="Times New Roman" pitchFamily="18" charset="0"/>
-              <a:cs typeface="Times New Roman" pitchFamily="18" charset="0"/>
-            </a:endParaRPr>
-          </a:p>
-        </p:txBody>
-      </p:sp>
-    </p:spTree>
-  </p:cSld>
-  <p:clrMapOvr>
-    <a:masterClrMapping/>
-  </p:clrMapOvr>
-  <p:timing>
-    <p:tnLst>
-      <p:par>
-        <p:cTn id="1" dur="indefinite" restart="never" nodeType="tmRoot"/>
-      </p:par>
-    </p:tnLst>
-  </p:timing>
-</p:sld>
-</file>
-
-<file path=ppt/slides/slide7.xml><?xml version="1.0" encoding="utf-8"?>
-<p:sld xmlns:a="http://schemas.openxmlformats.org/drawingml/2006/main" xmlns:r="http://schemas.openxmlformats.org/officeDocument/2006/relationships" xmlns:p="http://schemas.openxmlformats.org/presentationml/2006/main">
-  <p:cSld>
-    <p:bg>
-      <p:bgPr>
-        <a:blipFill dpi="0" rotWithShape="1">
-          <a:blip r:embed="rId2" cstate="print">
-            <a:lum/>
-          </a:blip>
-          <a:srcRect/>
-          <a:stretch>
-            <a:fillRect/>
-          </a:stretch>
-        </a:blipFill>
-        <a:effectLst/>
-      </p:bgPr>
-    </p:bg>
-    <p:spTree>
-      <p:nvGrpSpPr>
-        <p:cNvPr id="1" name=""/>
-        <p:cNvGrpSpPr/>
-        <p:nvPr/>
-      </p:nvGrpSpPr>
-      <p:grpSpPr>
-        <a:xfrm>
-          <a:off x="0" y="0"/>
-          <a:ext cx="0" cy="0"/>
-          <a:chOff x="0" y="0"/>
-          <a:chExt cx="0" cy="0"/>
-        </a:xfrm>
-      </p:grpSpPr>
-      <p:sp>
-        <p:nvSpPr>
-          <p:cNvPr id="2" name="Заголовок 1"/>
-          <p:cNvSpPr>
-            <a:spLocks noGrp="1"/>
-          </p:cNvSpPr>
-          <p:nvPr>
-            <p:ph type="title"/>
-          </p:nvPr>
-        </p:nvSpPr>
-        <p:spPr>
-          <a:xfrm>
-            <a:off x="2267744" y="476672"/>
-            <a:ext cx="4474840" cy="940966"/>
-          </a:xfrm>
-          <a:prstGeom prst="roundRect">
-            <a:avLst/>
-          </a:prstGeom>
-          <a:solidFill>
-            <a:schemeClr val="bg1">
-              <a:alpha val="54000"/>
-            </a:schemeClr>
-          </a:solidFill>
-        </p:spPr>
-        <p:txBody>
-          <a:bodyPr/>
-          <a:lstStyle/>
-          <a:p>
-            <a:r>
-              <a:rPr lang="ru-RU" dirty="0" smtClean="0">
-                <a:latin typeface="Times New Roman" pitchFamily="18" charset="0"/>
-                <a:cs typeface="Times New Roman" pitchFamily="18" charset="0"/>
-              </a:rPr>
-              <a:t>Меню</a:t>
-            </a:r>
-            <a:endParaRPr lang="ru-RU" dirty="0">
-              <a:latin typeface="Times New Roman" pitchFamily="18" charset="0"/>
-              <a:cs typeface="Times New Roman" pitchFamily="18" charset="0"/>
-            </a:endParaRPr>
-          </a:p>
-        </p:txBody>
-      </p:sp>
-      <p:sp>
-        <p:nvSpPr>
-          <p:cNvPr id="4" name="TextBox 3"/>
-          <p:cNvSpPr txBox="1"/>
-          <p:nvPr/>
-        </p:nvSpPr>
-        <p:spPr>
-          <a:xfrm>
-            <a:off x="2843808" y="3140968"/>
-            <a:ext cx="3152969" cy="2281476"/>
-          </a:xfrm>
-          <a:prstGeom prst="roundRect">
-            <a:avLst/>
-          </a:prstGeom>
-          <a:solidFill>
-            <a:schemeClr val="bg1">
-              <a:alpha val="55000"/>
-            </a:schemeClr>
-          </a:solidFill>
-        </p:spPr>
-        <p:txBody>
-          <a:bodyPr wrap="none" rtlCol="0">
-            <a:spAutoFit/>
-          </a:bodyPr>
-          <a:lstStyle/>
-          <a:p>
-            <a:pPr>
-              <a:buFont typeface="Arial" pitchFamily="34" charset="0"/>
-              <a:buChar char="•"/>
-            </a:pPr>
-            <a:r>
-              <a:rPr lang="ru-RU" sz="3200" dirty="0" smtClean="0">
-                <a:latin typeface="Times New Roman" pitchFamily="18" charset="0"/>
-                <a:cs typeface="Times New Roman" pitchFamily="18" charset="0"/>
-              </a:rPr>
-              <a:t>Начать заново</a:t>
-            </a:r>
-          </a:p>
-          <a:p>
-            <a:pPr>
-              <a:buFont typeface="Arial" pitchFamily="34" charset="0"/>
-              <a:buChar char="•"/>
-            </a:pPr>
-            <a:r>
-              <a:rPr lang="ru-RU" sz="3200" dirty="0" smtClean="0">
-                <a:latin typeface="Times New Roman" pitchFamily="18" charset="0"/>
-                <a:cs typeface="Times New Roman" pitchFamily="18" charset="0"/>
-              </a:rPr>
-              <a:t>Продолжить</a:t>
-            </a:r>
-          </a:p>
-          <a:p>
-            <a:pPr>
-              <a:buFont typeface="Arial" pitchFamily="34" charset="0"/>
-              <a:buChar char="•"/>
-            </a:pPr>
-            <a:r>
-              <a:rPr lang="ru-RU" sz="3200" dirty="0" smtClean="0">
-                <a:latin typeface="Times New Roman" pitchFamily="18" charset="0"/>
-                <a:cs typeface="Times New Roman" pitchFamily="18" charset="0"/>
-              </a:rPr>
-              <a:t>Управление</a:t>
-            </a:r>
-          </a:p>
-          <a:p>
-            <a:pPr>
-              <a:buFont typeface="Arial" pitchFamily="34" charset="0"/>
-              <a:buChar char="•"/>
-            </a:pPr>
-            <a:r>
-              <a:rPr lang="ru-RU" sz="3200" dirty="0" smtClean="0">
-                <a:latin typeface="Times New Roman" pitchFamily="18" charset="0"/>
-                <a:cs typeface="Times New Roman" pitchFamily="18" charset="0"/>
-              </a:rPr>
-              <a:t>Выйти из игры</a:t>
-            </a:r>
-            <a:endParaRPr lang="ru-RU" sz="3200" dirty="0">
               <a:latin typeface="Times New Roman" pitchFamily="18" charset="0"/>
               <a:cs typeface="Times New Roman" pitchFamily="18" charset="0"/>
             </a:endParaRPr>
@@ -4637,15 +5467,15 @@
         </p:nvSpPr>
         <p:spPr>
           <a:xfrm>
-            <a:off x="2339752" y="332656"/>
-            <a:ext cx="4546848" cy="1084982"/>
+            <a:off x="2267744" y="476672"/>
+            <a:ext cx="4474840" cy="940966"/>
           </a:xfrm>
           <a:prstGeom prst="roundRect">
             <a:avLst/>
           </a:prstGeom>
           <a:solidFill>
             <a:schemeClr val="bg1">
-              <a:alpha val="55000"/>
+              <a:alpha val="54000"/>
             </a:schemeClr>
           </a:solidFill>
         </p:spPr>
@@ -4658,7 +5488,7 @@
                 <a:latin typeface="Times New Roman" pitchFamily="18" charset="0"/>
                 <a:cs typeface="Times New Roman" pitchFamily="18" charset="0"/>
               </a:rPr>
-              <a:t>Движение</a:t>
+              <a:t>Меню</a:t>
             </a:r>
             <a:endParaRPr lang="ru-RU" dirty="0">
               <a:latin typeface="Times New Roman" pitchFamily="18" charset="0"/>
@@ -4667,129 +5497,18 @@
           </a:p>
         </p:txBody>
       </p:sp>
-      <p:pic>
-        <p:nvPicPr>
-          <p:cNvPr id="3075" name="Picture 3" descr="C:\Users\1\Desktop\игры\Cyber_ravage\code\test\images\char\left2.png"/>
-          <p:cNvPicPr>
-            <a:picLocks noChangeAspect="1" noChangeArrowheads="1"/>
-          </p:cNvPicPr>
-          <p:nvPr/>
-        </p:nvPicPr>
-        <p:blipFill>
-          <a:blip r:embed="rId3" cstate="print"/>
-          <a:srcRect/>
-          <a:stretch>
-            <a:fillRect/>
-          </a:stretch>
-        </p:blipFill>
-        <p:spPr bwMode="auto">
-          <a:xfrm>
-            <a:off x="539552" y="2564904"/>
-            <a:ext cx="1800200" cy="2239273"/>
-          </a:xfrm>
-          <a:prstGeom prst="rect">
-            <a:avLst/>
-          </a:prstGeom>
-          <a:solidFill>
-            <a:schemeClr val="bg1">
-              <a:alpha val="22000"/>
-            </a:schemeClr>
-          </a:solidFill>
-          <a:ln w="22225">
-            <a:solidFill>
-              <a:schemeClr val="accent5">
-                <a:lumMod val="75000"/>
-              </a:schemeClr>
-            </a:solidFill>
-          </a:ln>
-        </p:spPr>
-      </p:pic>
-      <p:pic>
-        <p:nvPicPr>
-          <p:cNvPr id="3076" name="Picture 4" descr="C:\Users\1\Desktop\игры\Cyber_ravage\code\test\images\char\right2.png"/>
-          <p:cNvPicPr>
-            <a:picLocks noChangeAspect="1" noChangeArrowheads="1"/>
-          </p:cNvPicPr>
-          <p:nvPr/>
-        </p:nvPicPr>
-        <p:blipFill>
-          <a:blip r:embed="rId4" cstate="print"/>
-          <a:srcRect/>
-          <a:stretch>
-            <a:fillRect/>
-          </a:stretch>
-        </p:blipFill>
-        <p:spPr bwMode="auto">
-          <a:xfrm>
-            <a:off x="6804248" y="2492896"/>
-            <a:ext cx="1800200" cy="2239273"/>
-          </a:xfrm>
-          <a:prstGeom prst="rect">
-            <a:avLst/>
-          </a:prstGeom>
-          <a:solidFill>
-            <a:schemeClr val="bg1">
-              <a:alpha val="22000"/>
-            </a:schemeClr>
-          </a:solidFill>
-          <a:ln w="22225">
-            <a:solidFill>
-              <a:schemeClr val="accent5">
-                <a:lumMod val="75000"/>
-              </a:schemeClr>
-            </a:solidFill>
-          </a:ln>
-        </p:spPr>
-      </p:pic>
-      <p:pic>
-        <p:nvPicPr>
-          <p:cNvPr id="3077" name="Picture 5" descr="C:\Users\1\Desktop\игры\Cyber_ravage\code\test\images\char\right1.png"/>
-          <p:cNvPicPr>
-            <a:picLocks noChangeAspect="1" noChangeArrowheads="1"/>
-          </p:cNvPicPr>
-          <p:nvPr/>
-        </p:nvPicPr>
-        <p:blipFill>
-          <a:blip r:embed="rId5" cstate="print"/>
-          <a:srcRect/>
-          <a:stretch>
-            <a:fillRect/>
-          </a:stretch>
-        </p:blipFill>
-        <p:spPr bwMode="auto">
-          <a:xfrm>
-            <a:off x="3923928" y="4005064"/>
-            <a:ext cx="1440160" cy="2194530"/>
-          </a:xfrm>
-          <a:prstGeom prst="rect">
-            <a:avLst/>
-          </a:prstGeom>
-          <a:solidFill>
-            <a:schemeClr val="bg1">
-              <a:alpha val="22000"/>
-            </a:schemeClr>
-          </a:solidFill>
-          <a:ln w="22225">
-            <a:solidFill>
-              <a:schemeClr val="accent5">
-                <a:lumMod val="75000"/>
-              </a:schemeClr>
-            </a:solidFill>
-          </a:ln>
-        </p:spPr>
-      </p:pic>
-      <p:sp>
-        <p:nvSpPr>
-          <p:cNvPr id="8" name="TextBox 7"/>
+      <p:sp>
+        <p:nvSpPr>
+          <p:cNvPr id="4" name="TextBox 3"/>
           <p:cNvSpPr txBox="1"/>
           <p:nvPr/>
         </p:nvSpPr>
         <p:spPr>
           <a:xfrm>
-            <a:off x="899592" y="1844824"/>
-            <a:ext cx="977640" cy="461665"/>
-          </a:xfrm>
-          <a:prstGeom prst="rect">
+            <a:off x="2843808" y="3140968"/>
+            <a:ext cx="3152969" cy="2281476"/>
+          </a:xfrm>
+          <a:prstGeom prst="roundRect">
             <a:avLst/>
           </a:prstGeom>
           <a:solidFill>
@@ -4804,94 +5523,57 @@
           </a:bodyPr>
           <a:lstStyle/>
           <a:p>
-            <a:r>
-              <a:rPr lang="ru-RU" sz="2400" dirty="0" smtClean="0">
+            <a:pPr>
+              <a:buFont typeface="Arial" pitchFamily="34" charset="0"/>
+              <a:buChar char="•"/>
+            </a:pPr>
+            <a:r>
+              <a:rPr lang="ru-RU" sz="3200" dirty="0" smtClean="0">
                 <a:latin typeface="Times New Roman" pitchFamily="18" charset="0"/>
                 <a:cs typeface="Times New Roman" pitchFamily="18" charset="0"/>
               </a:rPr>
-              <a:t>Влево</a:t>
-            </a:r>
-            <a:endParaRPr lang="ru-RU" sz="2400" dirty="0">
-              <a:latin typeface="Times New Roman" pitchFamily="18" charset="0"/>
-              <a:cs typeface="Times New Roman" pitchFamily="18" charset="0"/>
-            </a:endParaRPr>
-          </a:p>
-        </p:txBody>
-      </p:sp>
-      <p:sp>
-        <p:nvSpPr>
-          <p:cNvPr id="9" name="TextBox 8"/>
-          <p:cNvSpPr txBox="1"/>
-          <p:nvPr/>
-        </p:nvSpPr>
-        <p:spPr>
-          <a:xfrm>
-            <a:off x="7236296" y="1772816"/>
-            <a:ext cx="1142749" cy="461665"/>
-          </a:xfrm>
-          <a:prstGeom prst="rect">
-            <a:avLst/>
-          </a:prstGeom>
-          <a:solidFill>
-            <a:schemeClr val="bg1">
-              <a:alpha val="55000"/>
-            </a:schemeClr>
-          </a:solidFill>
-        </p:spPr>
-        <p:txBody>
-          <a:bodyPr wrap="none" rtlCol="0">
-            <a:spAutoFit/>
-          </a:bodyPr>
-          <a:lstStyle/>
-          <a:p>
-            <a:r>
-              <a:rPr lang="ru-RU" sz="2400" dirty="0" smtClean="0">
+              <a:t>Начать заново</a:t>
+            </a:r>
+          </a:p>
+          <a:p>
+            <a:pPr>
+              <a:buFont typeface="Arial" pitchFamily="34" charset="0"/>
+              <a:buChar char="•"/>
+            </a:pPr>
+            <a:r>
+              <a:rPr lang="ru-RU" sz="3200" dirty="0" smtClean="0">
                 <a:latin typeface="Times New Roman" pitchFamily="18" charset="0"/>
                 <a:cs typeface="Times New Roman" pitchFamily="18" charset="0"/>
               </a:rPr>
-              <a:t>Вправо</a:t>
-            </a:r>
-            <a:endParaRPr lang="ru-RU" sz="2400" dirty="0">
-              <a:latin typeface="Times New Roman" pitchFamily="18" charset="0"/>
-              <a:cs typeface="Times New Roman" pitchFamily="18" charset="0"/>
-            </a:endParaRPr>
-          </a:p>
-        </p:txBody>
-      </p:sp>
-      <p:sp>
-        <p:nvSpPr>
-          <p:cNvPr id="10" name="TextBox 9"/>
-          <p:cNvSpPr txBox="1"/>
-          <p:nvPr/>
-        </p:nvSpPr>
-        <p:spPr>
-          <a:xfrm>
-            <a:off x="4283968" y="3284984"/>
-            <a:ext cx="801823" cy="461665"/>
-          </a:xfrm>
-          <a:prstGeom prst="rect">
-            <a:avLst/>
-          </a:prstGeom>
-          <a:solidFill>
-            <a:schemeClr val="bg1">
-              <a:alpha val="55000"/>
-            </a:schemeClr>
-          </a:solidFill>
-        </p:spPr>
-        <p:txBody>
-          <a:bodyPr wrap="none" rtlCol="0">
-            <a:spAutoFit/>
-          </a:bodyPr>
-          <a:lstStyle/>
-          <a:p>
-            <a:r>
-              <a:rPr lang="en-US" sz="2400" dirty="0" smtClean="0">
+              <a:t>Продолжить</a:t>
+            </a:r>
+          </a:p>
+          <a:p>
+            <a:pPr>
+              <a:buFont typeface="Arial" pitchFamily="34" charset="0"/>
+              <a:buChar char="•"/>
+            </a:pPr>
+            <a:r>
+              <a:rPr lang="ru-RU" sz="3200" dirty="0" smtClean="0">
                 <a:latin typeface="Times New Roman" pitchFamily="18" charset="0"/>
                 <a:cs typeface="Times New Roman" pitchFamily="18" charset="0"/>
               </a:rPr>
-              <a:t>AFK</a:t>
-            </a:r>
-            <a:endParaRPr lang="ru-RU" sz="2400" dirty="0">
+              <a:t>Управление</a:t>
+            </a:r>
+          </a:p>
+          <a:p>
+            <a:pPr>
+              <a:buFont typeface="Arial" pitchFamily="34" charset="0"/>
+              <a:buChar char="•"/>
+            </a:pPr>
+            <a:r>
+              <a:rPr lang="ru-RU" sz="3200" dirty="0" smtClean="0">
+                <a:latin typeface="Times New Roman" pitchFamily="18" charset="0"/>
+                <a:cs typeface="Times New Roman" pitchFamily="18" charset="0"/>
+              </a:rPr>
+              <a:t>Выйти из игры</a:t>
+            </a:r>
+            <a:endParaRPr lang="ru-RU" sz="3200" dirty="0">
               <a:latin typeface="Times New Roman" pitchFamily="18" charset="0"/>
               <a:cs typeface="Times New Roman" pitchFamily="18" charset="0"/>
             </a:endParaRPr>
@@ -4956,12 +5638,15 @@
         </p:nvSpPr>
         <p:spPr>
           <a:xfrm>
-            <a:off x="0" y="0"/>
-            <a:ext cx="2736304" cy="850106"/>
-          </a:xfrm>
+            <a:off x="2339752" y="332656"/>
+            <a:ext cx="4546848" cy="1084982"/>
+          </a:xfrm>
+          <a:prstGeom prst="roundRect">
+            <a:avLst/>
+          </a:prstGeom>
           <a:solidFill>
             <a:schemeClr val="bg1">
-              <a:alpha val="56000"/>
+              <a:alpha val="55000"/>
             </a:schemeClr>
           </a:solidFill>
         </p:spPr>
@@ -4974,7 +5659,7 @@
                 <a:latin typeface="Times New Roman" pitchFamily="18" charset="0"/>
                 <a:cs typeface="Times New Roman" pitchFamily="18" charset="0"/>
               </a:rPr>
-              <a:t>Внутри</a:t>
+              <a:t>Движение</a:t>
             </a:r>
             <a:endParaRPr lang="ru-RU" dirty="0">
               <a:latin typeface="Times New Roman" pitchFamily="18" charset="0"/>
@@ -4985,7 +5670,7 @@
       </p:sp>
       <p:pic>
         <p:nvPicPr>
-          <p:cNvPr id="4099" name="Picture 3" descr="C:\Users\TEMP.LAPTOP-S6CGT9HB\Downloads\Снимок2.PNG"/>
+          <p:cNvPr id="3075" name="Picture 3" descr="C:\Users\1\Desktop\игры\Cyber_ravage\code\test\images\char\left2.png"/>
           <p:cNvPicPr>
             <a:picLocks noChangeAspect="1" noChangeArrowheads="1"/>
           </p:cNvPicPr>
@@ -5000,63 +5685,29 @@
         </p:blipFill>
         <p:spPr bwMode="auto">
           <a:xfrm>
-            <a:off x="4067944" y="692696"/>
-            <a:ext cx="4943475" cy="2105025"/>
+            <a:off x="539552" y="2564904"/>
+            <a:ext cx="1800200" cy="2239273"/>
           </a:xfrm>
           <a:prstGeom prst="rect">
             <a:avLst/>
           </a:prstGeom>
-          <a:noFill/>
-          <a:ln w="25400">
+          <a:solidFill>
+            <a:schemeClr val="bg1">
+              <a:alpha val="22000"/>
+            </a:schemeClr>
+          </a:solidFill>
+          <a:ln w="22225">
             <a:solidFill>
-              <a:schemeClr val="bg1"/>
+              <a:schemeClr val="accent5">
+                <a:lumMod val="75000"/>
+              </a:schemeClr>
             </a:solidFill>
           </a:ln>
         </p:spPr>
       </p:pic>
-      <p:sp>
-        <p:nvSpPr>
-          <p:cNvPr id="6" name="TextBox 5"/>
-          <p:cNvSpPr txBox="1"/>
-          <p:nvPr/>
-        </p:nvSpPr>
-        <p:spPr>
-          <a:xfrm>
-            <a:off x="1043608" y="1340768"/>
-            <a:ext cx="2210926" cy="646331"/>
-          </a:xfrm>
-          <a:prstGeom prst="rect">
-            <a:avLst/>
-          </a:prstGeom>
-          <a:solidFill>
-            <a:schemeClr val="bg1">
-              <a:alpha val="62000"/>
-            </a:schemeClr>
-          </a:solidFill>
-        </p:spPr>
-        <p:txBody>
-          <a:bodyPr wrap="none" rtlCol="0">
-            <a:spAutoFit/>
-          </a:bodyPr>
-          <a:lstStyle/>
-          <a:p>
-            <a:r>
-              <a:rPr lang="ru-RU" sz="3600" dirty="0" smtClean="0">
-                <a:latin typeface="Times New Roman" pitchFamily="18" charset="0"/>
-                <a:cs typeface="Times New Roman" pitchFamily="18" charset="0"/>
-              </a:rPr>
-              <a:t>Анимация</a:t>
-            </a:r>
-            <a:endParaRPr lang="ru-RU" sz="3600" dirty="0">
-              <a:latin typeface="Times New Roman" pitchFamily="18" charset="0"/>
-              <a:cs typeface="Times New Roman" pitchFamily="18" charset="0"/>
-            </a:endParaRPr>
-          </a:p>
-        </p:txBody>
-      </p:sp>
       <p:pic>
         <p:nvPicPr>
-          <p:cNvPr id="4100" name="Picture 4" descr="C:\Users\TEMP.LAPTOP-S6CGT9HB\Downloads\Снимок3.PNG"/>
+          <p:cNvPr id="3076" name="Picture 4" descr="C:\Users\1\Desktop\игры\Cyber_ravage\code\test\images\char\right2.png"/>
           <p:cNvPicPr>
             <a:picLocks noChangeAspect="1" noChangeArrowheads="1"/>
           </p:cNvPicPr>
@@ -5071,16 +5722,59 @@
         </p:blipFill>
         <p:spPr bwMode="auto">
           <a:xfrm>
-            <a:off x="3635896" y="3645024"/>
-            <a:ext cx="5324475" cy="3000375"/>
+            <a:off x="6804248" y="2492896"/>
+            <a:ext cx="1800200" cy="2239273"/>
           </a:xfrm>
           <a:prstGeom prst="rect">
             <a:avLst/>
           </a:prstGeom>
-          <a:noFill/>
-          <a:ln w="28575">
+          <a:solidFill>
+            <a:schemeClr val="bg1">
+              <a:alpha val="22000"/>
+            </a:schemeClr>
+          </a:solidFill>
+          <a:ln w="22225">
             <a:solidFill>
-              <a:schemeClr val="bg1"/>
+              <a:schemeClr val="accent5">
+                <a:lumMod val="75000"/>
+              </a:schemeClr>
+            </a:solidFill>
+          </a:ln>
+        </p:spPr>
+      </p:pic>
+      <p:pic>
+        <p:nvPicPr>
+          <p:cNvPr id="3077" name="Picture 5" descr="C:\Users\1\Desktop\игры\Cyber_ravage\code\test\images\char\right1.png"/>
+          <p:cNvPicPr>
+            <a:picLocks noChangeAspect="1" noChangeArrowheads="1"/>
+          </p:cNvPicPr>
+          <p:nvPr/>
+        </p:nvPicPr>
+        <p:blipFill>
+          <a:blip r:embed="rId5" cstate="print"/>
+          <a:srcRect/>
+          <a:stretch>
+            <a:fillRect/>
+          </a:stretch>
+        </p:blipFill>
+        <p:spPr bwMode="auto">
+          <a:xfrm>
+            <a:off x="3923928" y="4005064"/>
+            <a:ext cx="1440160" cy="2194530"/>
+          </a:xfrm>
+          <a:prstGeom prst="rect">
+            <a:avLst/>
+          </a:prstGeom>
+          <a:solidFill>
+            <a:schemeClr val="bg1">
+              <a:alpha val="22000"/>
+            </a:schemeClr>
+          </a:solidFill>
+          <a:ln w="22225">
+            <a:solidFill>
+              <a:schemeClr val="accent5">
+                <a:lumMod val="75000"/>
+              </a:schemeClr>
             </a:solidFill>
           </a:ln>
         </p:spPr>
@@ -5093,32 +5787,112 @@
         </p:nvSpPr>
         <p:spPr>
           <a:xfrm>
-            <a:off x="323528" y="3933056"/>
-            <a:ext cx="2952328" cy="2308324"/>
+            <a:off x="899592" y="1844824"/>
+            <a:ext cx="977640" cy="461665"/>
           </a:xfrm>
           <a:prstGeom prst="rect">
             <a:avLst/>
           </a:prstGeom>
           <a:solidFill>
             <a:schemeClr val="bg1">
-              <a:alpha val="51000"/>
+              <a:alpha val="55000"/>
             </a:schemeClr>
           </a:solidFill>
         </p:spPr>
         <p:txBody>
-          <a:bodyPr wrap="square" rtlCol="0">
+          <a:bodyPr wrap="none" rtlCol="0">
             <a:spAutoFit/>
           </a:bodyPr>
           <a:lstStyle/>
           <a:p>
             <a:r>
-              <a:rPr lang="ru-RU" sz="3600" dirty="0" smtClean="0">
+              <a:rPr lang="ru-RU" sz="2400" dirty="0" smtClean="0">
                 <a:latin typeface="Times New Roman" pitchFamily="18" charset="0"/>
                 <a:cs typeface="Times New Roman" pitchFamily="18" charset="0"/>
               </a:rPr>
-              <a:t>Прорисовка анимации и изменение координаты</a:t>
-            </a:r>
-            <a:endParaRPr lang="ru-RU" sz="3600" dirty="0">
+              <a:t>Влево</a:t>
+            </a:r>
+            <a:endParaRPr lang="ru-RU" sz="2400" dirty="0">
+              <a:latin typeface="Times New Roman" pitchFamily="18" charset="0"/>
+              <a:cs typeface="Times New Roman" pitchFamily="18" charset="0"/>
+            </a:endParaRPr>
+          </a:p>
+        </p:txBody>
+      </p:sp>
+      <p:sp>
+        <p:nvSpPr>
+          <p:cNvPr id="9" name="TextBox 8"/>
+          <p:cNvSpPr txBox="1"/>
+          <p:nvPr/>
+        </p:nvSpPr>
+        <p:spPr>
+          <a:xfrm>
+            <a:off x="7236296" y="1772816"/>
+            <a:ext cx="1142749" cy="461665"/>
+          </a:xfrm>
+          <a:prstGeom prst="rect">
+            <a:avLst/>
+          </a:prstGeom>
+          <a:solidFill>
+            <a:schemeClr val="bg1">
+              <a:alpha val="55000"/>
+            </a:schemeClr>
+          </a:solidFill>
+        </p:spPr>
+        <p:txBody>
+          <a:bodyPr wrap="none" rtlCol="0">
+            <a:spAutoFit/>
+          </a:bodyPr>
+          <a:lstStyle/>
+          <a:p>
+            <a:r>
+              <a:rPr lang="ru-RU" sz="2400" dirty="0" smtClean="0">
+                <a:latin typeface="Times New Roman" pitchFamily="18" charset="0"/>
+                <a:cs typeface="Times New Roman" pitchFamily="18" charset="0"/>
+              </a:rPr>
+              <a:t>Вправо</a:t>
+            </a:r>
+            <a:endParaRPr lang="ru-RU" sz="2400" dirty="0">
+              <a:latin typeface="Times New Roman" pitchFamily="18" charset="0"/>
+              <a:cs typeface="Times New Roman" pitchFamily="18" charset="0"/>
+            </a:endParaRPr>
+          </a:p>
+        </p:txBody>
+      </p:sp>
+      <p:sp>
+        <p:nvSpPr>
+          <p:cNvPr id="10" name="TextBox 9"/>
+          <p:cNvSpPr txBox="1"/>
+          <p:nvPr/>
+        </p:nvSpPr>
+        <p:spPr>
+          <a:xfrm>
+            <a:off x="4283968" y="3284984"/>
+            <a:ext cx="801823" cy="461665"/>
+          </a:xfrm>
+          <a:prstGeom prst="rect">
+            <a:avLst/>
+          </a:prstGeom>
+          <a:solidFill>
+            <a:schemeClr val="bg1">
+              <a:alpha val="55000"/>
+            </a:schemeClr>
+          </a:solidFill>
+        </p:spPr>
+        <p:txBody>
+          <a:bodyPr wrap="none" rtlCol="0">
+            <a:spAutoFit/>
+          </a:bodyPr>
+          <a:lstStyle/>
+          <a:p>
+            <a:r>
+              <a:rPr lang="en-US" sz="2400" dirty="0" smtClean="0">
+                <a:latin typeface="Times New Roman" pitchFamily="18" charset="0"/>
+                <a:cs typeface="Times New Roman" pitchFamily="18" charset="0"/>
+              </a:rPr>
+              <a:t>AFK</a:t>
+            </a:r>
+            <a:endParaRPr lang="ru-RU" sz="2400" dirty="0">
               <a:latin typeface="Times New Roman" pitchFamily="18" charset="0"/>
               <a:cs typeface="Times New Roman" pitchFamily="18" charset="0"/>
             </a:endParaRPr>
